--- a/zzx_gallery/highlight/New Microsoft PowerPoint Presentation.pptx
+++ b/zzx_gallery/highlight/New Microsoft PowerPoint Presentation.pptx
@@ -4,9 +4,13 @@
   <p:sldMasterIdLst>
     <p:sldMasterId id="2147483648" r:id="rId1"/>
   </p:sldMasterIdLst>
+  <p:notesMasterIdLst>
+    <p:notesMasterId r:id="rId5"/>
+  </p:notesMasterIdLst>
   <p:sldIdLst>
     <p:sldId id="256" r:id="rId2"/>
-    <p:sldId id="257" r:id="rId3"/>
+    <p:sldId id="258" r:id="rId3"/>
+    <p:sldId id="257" r:id="rId4"/>
   </p:sldIdLst>
   <p:sldSz cx="12192000" cy="6858000"/>
   <p:notesSz cx="6858000" cy="9144000"/>
@@ -113,6 +117,440 @@
 </p:presentation>
 </file>
 
+<file path=ppt/notesMasters/notesMaster1.xml><?xml version="1.0" encoding="utf-8"?>
+<p:notesMaster xmlns:a="http://schemas.openxmlformats.org/drawingml/2006/main" xmlns:r="http://schemas.openxmlformats.org/officeDocument/2006/relationships" xmlns:p="http://schemas.openxmlformats.org/presentationml/2006/main">
+  <p:cSld>
+    <p:bg>
+      <p:bgRef idx="1001">
+        <a:schemeClr val="bg1"/>
+      </p:bgRef>
+    </p:bg>
+    <p:spTree>
+      <p:nvGrpSpPr>
+        <p:cNvPr id="1" name=""/>
+        <p:cNvGrpSpPr/>
+        <p:nvPr/>
+      </p:nvGrpSpPr>
+      <p:grpSpPr>
+        <a:xfrm>
+          <a:off x="0" y="0"/>
+          <a:ext cx="0" cy="0"/>
+          <a:chOff x="0" y="0"/>
+          <a:chExt cx="0" cy="0"/>
+        </a:xfrm>
+      </p:grpSpPr>
+      <p:sp>
+        <p:nvSpPr>
+          <p:cNvPr id="2" name="Header Placeholder 1"/>
+          <p:cNvSpPr>
+            <a:spLocks noGrp="1"/>
+          </p:cNvSpPr>
+          <p:nvPr>
+            <p:ph type="hdr" sz="quarter"/>
+          </p:nvPr>
+        </p:nvSpPr>
+        <p:spPr>
+          <a:xfrm>
+            <a:off x="0" y="0"/>
+            <a:ext cx="2971800" cy="458788"/>
+          </a:xfrm>
+          <a:prstGeom prst="rect">
+            <a:avLst/>
+          </a:prstGeom>
+        </p:spPr>
+        <p:txBody>
+          <a:bodyPr vert="horz" lIns="91440" tIns="45720" rIns="91440" bIns="45720" rtlCol="0"/>
+          <a:lstStyle>
+            <a:lvl1pPr algn="l">
+              <a:defRPr sz="1200"/>
+            </a:lvl1pPr>
+          </a:lstStyle>
+          <a:p>
+            <a:endParaRPr lang="zh-CN" altLang="en-US"/>
+          </a:p>
+        </p:txBody>
+      </p:sp>
+      <p:sp>
+        <p:nvSpPr>
+          <p:cNvPr id="3" name="Date Placeholder 2"/>
+          <p:cNvSpPr>
+            <a:spLocks noGrp="1"/>
+          </p:cNvSpPr>
+          <p:nvPr>
+            <p:ph type="dt" idx="1"/>
+          </p:nvPr>
+        </p:nvSpPr>
+        <p:spPr>
+          <a:xfrm>
+            <a:off x="3884613" y="0"/>
+            <a:ext cx="2971800" cy="458788"/>
+          </a:xfrm>
+          <a:prstGeom prst="rect">
+            <a:avLst/>
+          </a:prstGeom>
+        </p:spPr>
+        <p:txBody>
+          <a:bodyPr vert="horz" lIns="91440" tIns="45720" rIns="91440" bIns="45720" rtlCol="0"/>
+          <a:lstStyle>
+            <a:lvl1pPr algn="r">
+              <a:defRPr sz="1200"/>
+            </a:lvl1pPr>
+          </a:lstStyle>
+          <a:p>
+            <a:fld id="{94F1626B-AC47-4037-AB77-688A7E9B8865}" type="datetimeFigureOut">
+              <a:rPr lang="zh-CN" altLang="en-US" smtClean="0"/>
+              <a:t>2022/1/19</a:t>
+            </a:fld>
+            <a:endParaRPr lang="zh-CN" altLang="en-US"/>
+          </a:p>
+        </p:txBody>
+      </p:sp>
+      <p:sp>
+        <p:nvSpPr>
+          <p:cNvPr id="4" name="Slide Image Placeholder 3"/>
+          <p:cNvSpPr>
+            <a:spLocks noGrp="1" noRot="1" noChangeAspect="1"/>
+          </p:cNvSpPr>
+          <p:nvPr>
+            <p:ph type="sldImg" idx="2"/>
+          </p:nvPr>
+        </p:nvSpPr>
+        <p:spPr>
+          <a:xfrm>
+            <a:off x="685800" y="1143000"/>
+            <a:ext cx="5486400" cy="3086100"/>
+          </a:xfrm>
+          <a:prstGeom prst="rect">
+            <a:avLst/>
+          </a:prstGeom>
+          <a:noFill/>
+          <a:ln w="12700">
+            <a:solidFill>
+              <a:prstClr val="black"/>
+            </a:solidFill>
+          </a:ln>
+        </p:spPr>
+        <p:txBody>
+          <a:bodyPr vert="horz" lIns="91440" tIns="45720" rIns="91440" bIns="45720" rtlCol="0" anchor="ctr"/>
+          <a:lstStyle/>
+          <a:p>
+            <a:endParaRPr lang="zh-CN" altLang="en-US"/>
+          </a:p>
+        </p:txBody>
+      </p:sp>
+      <p:sp>
+        <p:nvSpPr>
+          <p:cNvPr id="5" name="Notes Placeholder 4"/>
+          <p:cNvSpPr>
+            <a:spLocks noGrp="1"/>
+          </p:cNvSpPr>
+          <p:nvPr>
+            <p:ph type="body" sz="quarter" idx="3"/>
+          </p:nvPr>
+        </p:nvSpPr>
+        <p:spPr>
+          <a:xfrm>
+            <a:off x="685800" y="4400550"/>
+            <a:ext cx="5486400" cy="3600450"/>
+          </a:xfrm>
+          <a:prstGeom prst="rect">
+            <a:avLst/>
+          </a:prstGeom>
+        </p:spPr>
+        <p:txBody>
+          <a:bodyPr vert="horz" lIns="91440" tIns="45720" rIns="91440" bIns="45720" rtlCol="0"/>
+          <a:lstStyle/>
+          <a:p>
+            <a:pPr lvl="0"/>
+            <a:r>
+              <a:rPr lang="en-US" altLang="zh-CN"/>
+              <a:t>Click to edit Master text styles</a:t>
+            </a:r>
+          </a:p>
+          <a:p>
+            <a:pPr lvl="1"/>
+            <a:r>
+              <a:rPr lang="en-US" altLang="zh-CN"/>
+              <a:t>Second level</a:t>
+            </a:r>
+          </a:p>
+          <a:p>
+            <a:pPr lvl="2"/>
+            <a:r>
+              <a:rPr lang="en-US" altLang="zh-CN"/>
+              <a:t>Third level</a:t>
+            </a:r>
+          </a:p>
+          <a:p>
+            <a:pPr lvl="3"/>
+            <a:r>
+              <a:rPr lang="en-US" altLang="zh-CN"/>
+              <a:t>Fourth level</a:t>
+            </a:r>
+          </a:p>
+          <a:p>
+            <a:pPr lvl="4"/>
+            <a:r>
+              <a:rPr lang="en-US" altLang="zh-CN"/>
+              <a:t>Fifth level</a:t>
+            </a:r>
+            <a:endParaRPr lang="zh-CN" altLang="en-US"/>
+          </a:p>
+        </p:txBody>
+      </p:sp>
+      <p:sp>
+        <p:nvSpPr>
+          <p:cNvPr id="6" name="Footer Placeholder 5"/>
+          <p:cNvSpPr>
+            <a:spLocks noGrp="1"/>
+          </p:cNvSpPr>
+          <p:nvPr>
+            <p:ph type="ftr" sz="quarter" idx="4"/>
+          </p:nvPr>
+        </p:nvSpPr>
+        <p:spPr>
+          <a:xfrm>
+            <a:off x="0" y="8685213"/>
+            <a:ext cx="2971800" cy="458787"/>
+          </a:xfrm>
+          <a:prstGeom prst="rect">
+            <a:avLst/>
+          </a:prstGeom>
+        </p:spPr>
+        <p:txBody>
+          <a:bodyPr vert="horz" lIns="91440" tIns="45720" rIns="91440" bIns="45720" rtlCol="0" anchor="b"/>
+          <a:lstStyle>
+            <a:lvl1pPr algn="l">
+              <a:defRPr sz="1200"/>
+            </a:lvl1pPr>
+          </a:lstStyle>
+          <a:p>
+            <a:endParaRPr lang="zh-CN" altLang="en-US"/>
+          </a:p>
+        </p:txBody>
+      </p:sp>
+      <p:sp>
+        <p:nvSpPr>
+          <p:cNvPr id="7" name="Slide Number Placeholder 6"/>
+          <p:cNvSpPr>
+            <a:spLocks noGrp="1"/>
+          </p:cNvSpPr>
+          <p:nvPr>
+            <p:ph type="sldNum" sz="quarter" idx="5"/>
+          </p:nvPr>
+        </p:nvSpPr>
+        <p:spPr>
+          <a:xfrm>
+            <a:off x="3884613" y="8685213"/>
+            <a:ext cx="2971800" cy="458787"/>
+          </a:xfrm>
+          <a:prstGeom prst="rect">
+            <a:avLst/>
+          </a:prstGeom>
+        </p:spPr>
+        <p:txBody>
+          <a:bodyPr vert="horz" lIns="91440" tIns="45720" rIns="91440" bIns="45720" rtlCol="0" anchor="b"/>
+          <a:lstStyle>
+            <a:lvl1pPr algn="r">
+              <a:defRPr sz="1200"/>
+            </a:lvl1pPr>
+          </a:lstStyle>
+          <a:p>
+            <a:fld id="{6C1F838D-CE99-4449-AE12-DF82C111171E}" type="slidenum">
+              <a:rPr lang="zh-CN" altLang="en-US" smtClean="0"/>
+              <a:t>‹#›</a:t>
+            </a:fld>
+            <a:endParaRPr lang="zh-CN" altLang="en-US"/>
+          </a:p>
+        </p:txBody>
+      </p:sp>
+    </p:spTree>
+    <p:extLst>
+      <p:ext uri="{BB962C8B-B14F-4D97-AF65-F5344CB8AC3E}">
+        <p14:creationId xmlns:p14="http://schemas.microsoft.com/office/powerpoint/2010/main" val="3346811255"/>
+      </p:ext>
+    </p:extLst>
+  </p:cSld>
+  <p:clrMap bg1="lt1" tx1="dk1" bg2="lt2" tx2="dk2" accent1="accent1" accent2="accent2" accent3="accent3" accent4="accent4" accent5="accent5" accent6="accent6" hlink="hlink" folHlink="folHlink"/>
+  <p:notesStyle>
+    <a:lvl1pPr marL="0" algn="l" defTabSz="914400" rtl="0" eaLnBrk="1" latinLnBrk="0" hangingPunct="1">
+      <a:defRPr sz="1200" kern="1200">
+        <a:solidFill>
+          <a:schemeClr val="tx1"/>
+        </a:solidFill>
+        <a:latin typeface="+mn-lt"/>
+        <a:ea typeface="+mn-ea"/>
+        <a:cs typeface="+mn-cs"/>
+      </a:defRPr>
+    </a:lvl1pPr>
+    <a:lvl2pPr marL="457200" algn="l" defTabSz="914400" rtl="0" eaLnBrk="1" latinLnBrk="0" hangingPunct="1">
+      <a:defRPr sz="1200" kern="1200">
+        <a:solidFill>
+          <a:schemeClr val="tx1"/>
+        </a:solidFill>
+        <a:latin typeface="+mn-lt"/>
+        <a:ea typeface="+mn-ea"/>
+        <a:cs typeface="+mn-cs"/>
+      </a:defRPr>
+    </a:lvl2pPr>
+    <a:lvl3pPr marL="914400" algn="l" defTabSz="914400" rtl="0" eaLnBrk="1" latinLnBrk="0" hangingPunct="1">
+      <a:defRPr sz="1200" kern="1200">
+        <a:solidFill>
+          <a:schemeClr val="tx1"/>
+        </a:solidFill>
+        <a:latin typeface="+mn-lt"/>
+        <a:ea typeface="+mn-ea"/>
+        <a:cs typeface="+mn-cs"/>
+      </a:defRPr>
+    </a:lvl3pPr>
+    <a:lvl4pPr marL="1371600" algn="l" defTabSz="914400" rtl="0" eaLnBrk="1" latinLnBrk="0" hangingPunct="1">
+      <a:defRPr sz="1200" kern="1200">
+        <a:solidFill>
+          <a:schemeClr val="tx1"/>
+        </a:solidFill>
+        <a:latin typeface="+mn-lt"/>
+        <a:ea typeface="+mn-ea"/>
+        <a:cs typeface="+mn-cs"/>
+      </a:defRPr>
+    </a:lvl4pPr>
+    <a:lvl5pPr marL="1828800" algn="l" defTabSz="914400" rtl="0" eaLnBrk="1" latinLnBrk="0" hangingPunct="1">
+      <a:defRPr sz="1200" kern="1200">
+        <a:solidFill>
+          <a:schemeClr val="tx1"/>
+        </a:solidFill>
+        <a:latin typeface="+mn-lt"/>
+        <a:ea typeface="+mn-ea"/>
+        <a:cs typeface="+mn-cs"/>
+      </a:defRPr>
+    </a:lvl5pPr>
+    <a:lvl6pPr marL="2286000" algn="l" defTabSz="914400" rtl="0" eaLnBrk="1" latinLnBrk="0" hangingPunct="1">
+      <a:defRPr sz="1200" kern="1200">
+        <a:solidFill>
+          <a:schemeClr val="tx1"/>
+        </a:solidFill>
+        <a:latin typeface="+mn-lt"/>
+        <a:ea typeface="+mn-ea"/>
+        <a:cs typeface="+mn-cs"/>
+      </a:defRPr>
+    </a:lvl6pPr>
+    <a:lvl7pPr marL="2743200" algn="l" defTabSz="914400" rtl="0" eaLnBrk="1" latinLnBrk="0" hangingPunct="1">
+      <a:defRPr sz="1200" kern="1200">
+        <a:solidFill>
+          <a:schemeClr val="tx1"/>
+        </a:solidFill>
+        <a:latin typeface="+mn-lt"/>
+        <a:ea typeface="+mn-ea"/>
+        <a:cs typeface="+mn-cs"/>
+      </a:defRPr>
+    </a:lvl7pPr>
+    <a:lvl8pPr marL="3200400" algn="l" defTabSz="914400" rtl="0" eaLnBrk="1" latinLnBrk="0" hangingPunct="1">
+      <a:defRPr sz="1200" kern="1200">
+        <a:solidFill>
+          <a:schemeClr val="tx1"/>
+        </a:solidFill>
+        <a:latin typeface="+mn-lt"/>
+        <a:ea typeface="+mn-ea"/>
+        <a:cs typeface="+mn-cs"/>
+      </a:defRPr>
+    </a:lvl8pPr>
+    <a:lvl9pPr marL="3657600" algn="l" defTabSz="914400" rtl="0" eaLnBrk="1" latinLnBrk="0" hangingPunct="1">
+      <a:defRPr sz="1200" kern="1200">
+        <a:solidFill>
+          <a:schemeClr val="tx1"/>
+        </a:solidFill>
+        <a:latin typeface="+mn-lt"/>
+        <a:ea typeface="+mn-ea"/>
+        <a:cs typeface="+mn-cs"/>
+      </a:defRPr>
+    </a:lvl9pPr>
+  </p:notesStyle>
+</p:notesMaster>
+</file>
+
+<file path=ppt/notesSlides/notesSlide1.xml><?xml version="1.0" encoding="utf-8"?>
+<p:notes xmlns:a="http://schemas.openxmlformats.org/drawingml/2006/main" xmlns:r="http://schemas.openxmlformats.org/officeDocument/2006/relationships" xmlns:p="http://schemas.openxmlformats.org/presentationml/2006/main">
+  <p:cSld>
+    <p:spTree>
+      <p:nvGrpSpPr>
+        <p:cNvPr id="1" name=""/>
+        <p:cNvGrpSpPr/>
+        <p:nvPr/>
+      </p:nvGrpSpPr>
+      <p:grpSpPr>
+        <a:xfrm>
+          <a:off x="0" y="0"/>
+          <a:ext cx="0" cy="0"/>
+          <a:chOff x="0" y="0"/>
+          <a:chExt cx="0" cy="0"/>
+        </a:xfrm>
+      </p:grpSpPr>
+      <p:sp>
+        <p:nvSpPr>
+          <p:cNvPr id="2" name="Slide Image Placeholder 1"/>
+          <p:cNvSpPr>
+            <a:spLocks noGrp="1" noRot="1" noChangeAspect="1"/>
+          </p:cNvSpPr>
+          <p:nvPr>
+            <p:ph type="sldImg"/>
+          </p:nvPr>
+        </p:nvSpPr>
+        <p:spPr/>
+      </p:sp>
+      <p:sp>
+        <p:nvSpPr>
+          <p:cNvPr id="3" name="Notes Placeholder 2"/>
+          <p:cNvSpPr>
+            <a:spLocks noGrp="1"/>
+          </p:cNvSpPr>
+          <p:nvPr>
+            <p:ph type="body" idx="1"/>
+          </p:nvPr>
+        </p:nvSpPr>
+        <p:spPr/>
+        <p:txBody>
+          <a:bodyPr/>
+          <a:lstStyle/>
+          <a:p>
+            <a:endParaRPr lang="zh-CN" altLang="en-US"/>
+          </a:p>
+        </p:txBody>
+      </p:sp>
+      <p:sp>
+        <p:nvSpPr>
+          <p:cNvPr id="4" name="Slide Number Placeholder 3"/>
+          <p:cNvSpPr>
+            <a:spLocks noGrp="1"/>
+          </p:cNvSpPr>
+          <p:nvPr>
+            <p:ph type="sldNum" sz="quarter" idx="5"/>
+          </p:nvPr>
+        </p:nvSpPr>
+        <p:spPr/>
+        <p:txBody>
+          <a:bodyPr/>
+          <a:lstStyle/>
+          <a:p>
+            <a:fld id="{6C1F838D-CE99-4449-AE12-DF82C111171E}" type="slidenum">
+              <a:rPr lang="zh-CN" altLang="en-US" smtClean="0"/>
+              <a:t>2</a:t>
+            </a:fld>
+            <a:endParaRPr lang="zh-CN" altLang="en-US"/>
+          </a:p>
+        </p:txBody>
+      </p:sp>
+    </p:spTree>
+    <p:extLst>
+      <p:ext uri="{BB962C8B-B14F-4D97-AF65-F5344CB8AC3E}">
+        <p14:creationId xmlns:p14="http://schemas.microsoft.com/office/powerpoint/2010/main" val="1690645086"/>
+      </p:ext>
+    </p:extLst>
+  </p:cSld>
+  <p:clrMapOvr>
+    <a:masterClrMapping/>
+  </p:clrMapOvr>
+</p:notes>
+</file>
+
 <file path=ppt/slideLayouts/slideLayout1.xml><?xml version="1.0" encoding="utf-8"?>
 <p:sldLayout xmlns:a="http://schemas.openxmlformats.org/drawingml/2006/main" xmlns:r="http://schemas.openxmlformats.org/officeDocument/2006/relationships" xmlns:p="http://schemas.openxmlformats.org/presentationml/2006/main" type="title" preserve="1">
   <p:cSld name="Title Slide">
@@ -260,7 +698,7 @@
           <a:p>
             <a:fld id="{841BF3FB-071E-4A67-A8E5-61F07039253F}" type="datetimeFigureOut">
               <a:rPr lang="en-US" smtClean="0"/>
-              <a:t>9/21/2021</a:t>
+              <a:t>1/19/2022</a:t>
             </a:fld>
             <a:endParaRPr lang="en-US"/>
           </a:p>
@@ -458,7 +896,7 @@
           <a:p>
             <a:fld id="{841BF3FB-071E-4A67-A8E5-61F07039253F}" type="datetimeFigureOut">
               <a:rPr lang="en-US" smtClean="0"/>
-              <a:t>9/21/2021</a:t>
+              <a:t>1/19/2022</a:t>
             </a:fld>
             <a:endParaRPr lang="en-US"/>
           </a:p>
@@ -666,7 +1104,7 @@
           <a:p>
             <a:fld id="{841BF3FB-071E-4A67-A8E5-61F07039253F}" type="datetimeFigureOut">
               <a:rPr lang="en-US" smtClean="0"/>
-              <a:t>9/21/2021</a:t>
+              <a:t>1/19/2022</a:t>
             </a:fld>
             <a:endParaRPr lang="en-US"/>
           </a:p>
@@ -864,7 +1302,7 @@
           <a:p>
             <a:fld id="{841BF3FB-071E-4A67-A8E5-61F07039253F}" type="datetimeFigureOut">
               <a:rPr lang="en-US" smtClean="0"/>
-              <a:t>9/21/2021</a:t>
+              <a:t>1/19/2022</a:t>
             </a:fld>
             <a:endParaRPr lang="en-US"/>
           </a:p>
@@ -1139,7 +1577,7 @@
           <a:p>
             <a:fld id="{841BF3FB-071E-4A67-A8E5-61F07039253F}" type="datetimeFigureOut">
               <a:rPr lang="en-US" smtClean="0"/>
-              <a:t>9/21/2021</a:t>
+              <a:t>1/19/2022</a:t>
             </a:fld>
             <a:endParaRPr lang="en-US"/>
           </a:p>
@@ -1404,7 +1842,7 @@
           <a:p>
             <a:fld id="{841BF3FB-071E-4A67-A8E5-61F07039253F}" type="datetimeFigureOut">
               <a:rPr lang="en-US" smtClean="0"/>
-              <a:t>9/21/2021</a:t>
+              <a:t>1/19/2022</a:t>
             </a:fld>
             <a:endParaRPr lang="en-US"/>
           </a:p>
@@ -1816,7 +2254,7 @@
           <a:p>
             <a:fld id="{841BF3FB-071E-4A67-A8E5-61F07039253F}" type="datetimeFigureOut">
               <a:rPr lang="en-US" smtClean="0"/>
-              <a:t>9/21/2021</a:t>
+              <a:t>1/19/2022</a:t>
             </a:fld>
             <a:endParaRPr lang="en-US"/>
           </a:p>
@@ -1957,7 +2395,7 @@
           <a:p>
             <a:fld id="{841BF3FB-071E-4A67-A8E5-61F07039253F}" type="datetimeFigureOut">
               <a:rPr lang="en-US" smtClean="0"/>
-              <a:t>9/21/2021</a:t>
+              <a:t>1/19/2022</a:t>
             </a:fld>
             <a:endParaRPr lang="en-US"/>
           </a:p>
@@ -2070,7 +2508,7 @@
           <a:p>
             <a:fld id="{841BF3FB-071E-4A67-A8E5-61F07039253F}" type="datetimeFigureOut">
               <a:rPr lang="en-US" smtClean="0"/>
-              <a:t>9/21/2021</a:t>
+              <a:t>1/19/2022</a:t>
             </a:fld>
             <a:endParaRPr lang="en-US"/>
           </a:p>
@@ -2381,7 +2819,7 @@
           <a:p>
             <a:fld id="{841BF3FB-071E-4A67-A8E5-61F07039253F}" type="datetimeFigureOut">
               <a:rPr lang="en-US" smtClean="0"/>
-              <a:t>9/21/2021</a:t>
+              <a:t>1/19/2022</a:t>
             </a:fld>
             <a:endParaRPr lang="en-US"/>
           </a:p>
@@ -2669,7 +3107,7 @@
           <a:p>
             <a:fld id="{841BF3FB-071E-4A67-A8E5-61F07039253F}" type="datetimeFigureOut">
               <a:rPr lang="en-US" smtClean="0"/>
-              <a:t>9/21/2021</a:t>
+              <a:t>1/19/2022</a:t>
             </a:fld>
             <a:endParaRPr lang="en-US"/>
           </a:p>
@@ -2910,7 +3348,7 @@
           <a:p>
             <a:fld id="{841BF3FB-071E-4A67-A8E5-61F07039253F}" type="datetimeFigureOut">
               <a:rPr lang="en-US" smtClean="0"/>
-              <a:t>9/21/2021</a:t>
+              <a:t>1/19/2022</a:t>
             </a:fld>
             <a:endParaRPr lang="en-US"/>
           </a:p>
@@ -3830,6 +4268,509 @@
           <a:chExt cx="0" cy="0"/>
         </a:xfrm>
       </p:grpSpPr>
+      <p:pic>
+        <p:nvPicPr>
+          <p:cNvPr id="5" name="Picture 4" descr="A red background with white text&#10;&#10;Description automatically generated with medium confidence">
+            <a:extLst>
+              <a:ext uri="{FF2B5EF4-FFF2-40B4-BE49-F238E27FC236}">
+                <a16:creationId xmlns:a16="http://schemas.microsoft.com/office/drawing/2014/main" id="{4F5AA4A5-2410-4190-A005-ECC9A3D4DD15}"/>
+              </a:ext>
+            </a:extLst>
+          </p:cNvPr>
+          <p:cNvPicPr>
+            <a:picLocks noChangeAspect="1"/>
+          </p:cNvPicPr>
+          <p:nvPr/>
+        </p:nvPicPr>
+        <p:blipFill>
+          <a:blip r:embed="rId3">
+            <a:extLst>
+              <a:ext uri="{28A0092B-C50C-407E-A947-70E740481C1C}">
+                <a14:useLocalDpi xmlns:a14="http://schemas.microsoft.com/office/drawing/2010/main" val="0"/>
+              </a:ext>
+            </a:extLst>
+          </a:blip>
+          <a:stretch>
+            <a:fillRect/>
+          </a:stretch>
+        </p:blipFill>
+        <p:spPr>
+          <a:xfrm>
+            <a:off x="130404" y="93431"/>
+            <a:ext cx="2540000" cy="1270000"/>
+          </a:xfrm>
+          <a:prstGeom prst="rect">
+            <a:avLst/>
+          </a:prstGeom>
+          <a:effectLst/>
+        </p:spPr>
+      </p:pic>
+      <p:pic>
+        <p:nvPicPr>
+          <p:cNvPr id="18" name="Picture 17">
+            <a:extLst>
+              <a:ext uri="{FF2B5EF4-FFF2-40B4-BE49-F238E27FC236}">
+                <a16:creationId xmlns:a16="http://schemas.microsoft.com/office/drawing/2014/main" id="{950F88D9-B56E-4B89-BE68-9C4F38A4073B}"/>
+              </a:ext>
+            </a:extLst>
+          </p:cNvPr>
+          <p:cNvPicPr>
+            <a:picLocks noChangeAspect="1"/>
+          </p:cNvPicPr>
+          <p:nvPr/>
+        </p:nvPicPr>
+        <p:blipFill rotWithShape="1">
+          <a:blip r:embed="rId4"/>
+          <a:srcRect t="3443" b="8157"/>
+          <a:stretch/>
+        </p:blipFill>
+        <p:spPr>
+          <a:xfrm>
+            <a:off x="2865138" y="93429"/>
+            <a:ext cx="2540000" cy="1269999"/>
+          </a:xfrm>
+          <a:prstGeom prst="rect">
+            <a:avLst/>
+          </a:prstGeom>
+          <a:effectLst/>
+        </p:spPr>
+      </p:pic>
+      <p:pic>
+        <p:nvPicPr>
+          <p:cNvPr id="19" name="Picture 18">
+            <a:extLst>
+              <a:ext uri="{FF2B5EF4-FFF2-40B4-BE49-F238E27FC236}">
+                <a16:creationId xmlns:a16="http://schemas.microsoft.com/office/drawing/2014/main" id="{557C7F62-BBEC-4743-AF84-68C177540E27}"/>
+              </a:ext>
+            </a:extLst>
+          </p:cNvPr>
+          <p:cNvPicPr>
+            <a:picLocks noChangeAspect="1"/>
+          </p:cNvPicPr>
+          <p:nvPr/>
+        </p:nvPicPr>
+        <p:blipFill rotWithShape="1">
+          <a:blip r:embed="rId5"/>
+          <a:srcRect t="6776" b="11480"/>
+          <a:stretch/>
+        </p:blipFill>
+        <p:spPr>
+          <a:xfrm>
+            <a:off x="129792" y="1516791"/>
+            <a:ext cx="2540612" cy="1269999"/>
+          </a:xfrm>
+          <a:prstGeom prst="rect">
+            <a:avLst/>
+          </a:prstGeom>
+          <a:effectLst/>
+        </p:spPr>
+      </p:pic>
+      <p:pic>
+        <p:nvPicPr>
+          <p:cNvPr id="1028" name="Picture 4" descr="Runway Blog">
+            <a:extLst>
+              <a:ext uri="{FF2B5EF4-FFF2-40B4-BE49-F238E27FC236}">
+                <a16:creationId xmlns:a16="http://schemas.microsoft.com/office/drawing/2014/main" id="{1250578D-9860-4AA2-82DE-1922597EA7CB}"/>
+              </a:ext>
+            </a:extLst>
+          </p:cNvPr>
+          <p:cNvPicPr>
+            <a:picLocks noChangeAspect="1" noChangeArrowheads="1"/>
+          </p:cNvPicPr>
+          <p:nvPr/>
+        </p:nvPicPr>
+        <p:blipFill rotWithShape="1">
+          <a:blip r:embed="rId6">
+            <a:extLst>
+              <a:ext uri="{28A0092B-C50C-407E-A947-70E740481C1C}">
+                <a14:useLocalDpi xmlns:a14="http://schemas.microsoft.com/office/drawing/2010/main" val="0"/>
+              </a:ext>
+            </a:extLst>
+          </a:blip>
+          <a:srcRect l="11313" t="14835" r="11527" b="14835"/>
+          <a:stretch/>
+        </p:blipFill>
+        <p:spPr bwMode="auto">
+          <a:xfrm>
+            <a:off x="5599638" y="93429"/>
+            <a:ext cx="2540000" cy="1270001"/>
+          </a:xfrm>
+          <a:prstGeom prst="rect">
+            <a:avLst/>
+          </a:prstGeom>
+          <a:noFill/>
+          <a:effectLst/>
+          <a:extLst>
+            <a:ext uri="{909E8E84-426E-40DD-AFC4-6F175D3DCCD1}">
+              <a14:hiddenFill xmlns:a14="http://schemas.microsoft.com/office/drawing/2010/main">
+                <a:solidFill>
+                  <a:srgbClr val="FFFFFF"/>
+                </a:solidFill>
+              </a14:hiddenFill>
+            </a:ext>
+          </a:extLst>
+        </p:spPr>
+      </p:pic>
+      <p:pic>
+        <p:nvPicPr>
+          <p:cNvPr id="1030" name="Picture 6" descr="GitHub - PaddlePaddle/PaddleHub: Awesome pre-trained models toolkit based  on PaddlePaddle.(300+ models including Image, Text, Audio and Video with  Easy Inference &amp;amp; Serving deployment)">
+            <a:extLst>
+              <a:ext uri="{FF2B5EF4-FFF2-40B4-BE49-F238E27FC236}">
+                <a16:creationId xmlns:a16="http://schemas.microsoft.com/office/drawing/2014/main" id="{5E257D77-0AFA-4935-BF41-805F4F05EDC7}"/>
+              </a:ext>
+            </a:extLst>
+          </p:cNvPr>
+          <p:cNvPicPr>
+            <a:picLocks noChangeAspect="1" noChangeArrowheads="1"/>
+          </p:cNvPicPr>
+          <p:nvPr/>
+        </p:nvPicPr>
+        <p:blipFill>
+          <a:blip r:embed="rId7">
+            <a:extLst>
+              <a:ext uri="{28A0092B-C50C-407E-A947-70E740481C1C}">
+                <a14:useLocalDpi xmlns:a14="http://schemas.microsoft.com/office/drawing/2010/main" val="0"/>
+              </a:ext>
+            </a:extLst>
+          </a:blip>
+          <a:srcRect/>
+          <a:stretch>
+            <a:fillRect/>
+          </a:stretch>
+        </p:blipFill>
+        <p:spPr bwMode="auto">
+          <a:xfrm>
+            <a:off x="5599638" y="1516790"/>
+            <a:ext cx="2540612" cy="1270000"/>
+          </a:xfrm>
+          <a:prstGeom prst="rect">
+            <a:avLst/>
+          </a:prstGeom>
+          <a:noFill/>
+          <a:effectLst/>
+          <a:extLst>
+            <a:ext uri="{909E8E84-426E-40DD-AFC4-6F175D3DCCD1}">
+              <a14:hiddenFill xmlns:a14="http://schemas.microsoft.com/office/drawing/2010/main">
+                <a:solidFill>
+                  <a:srgbClr val="FFFFFF"/>
+                </a:solidFill>
+              </a14:hiddenFill>
+            </a:ext>
+          </a:extLst>
+        </p:spPr>
+      </p:pic>
+      <p:pic>
+        <p:nvPicPr>
+          <p:cNvPr id="1032" name="Picture 8" descr="Weights &amp;amp; Biases – Developer tools for ML">
+            <a:extLst>
+              <a:ext uri="{FF2B5EF4-FFF2-40B4-BE49-F238E27FC236}">
+                <a16:creationId xmlns:a16="http://schemas.microsoft.com/office/drawing/2014/main" id="{DC1501BD-0608-49F2-8AD4-53547CBCC9E0}"/>
+              </a:ext>
+            </a:extLst>
+          </p:cNvPr>
+          <p:cNvPicPr>
+            <a:picLocks noChangeAspect="1" noChangeArrowheads="1"/>
+          </p:cNvPicPr>
+          <p:nvPr/>
+        </p:nvPicPr>
+        <p:blipFill>
+          <a:blip r:embed="rId8">
+            <a:extLst>
+              <a:ext uri="{28A0092B-C50C-407E-A947-70E740481C1C}">
+                <a14:useLocalDpi xmlns:a14="http://schemas.microsoft.com/office/drawing/2010/main" val="0"/>
+              </a:ext>
+            </a:extLst>
+          </a:blip>
+          <a:srcRect/>
+          <a:stretch>
+            <a:fillRect/>
+          </a:stretch>
+        </p:blipFill>
+        <p:spPr bwMode="auto">
+          <a:xfrm>
+            <a:off x="2865137" y="1518446"/>
+            <a:ext cx="2540000" cy="1268344"/>
+          </a:xfrm>
+          <a:prstGeom prst="rect">
+            <a:avLst/>
+          </a:prstGeom>
+          <a:noFill/>
+          <a:extLst>
+            <a:ext uri="{909E8E84-426E-40DD-AFC4-6F175D3DCCD1}">
+              <a14:hiddenFill xmlns:a14="http://schemas.microsoft.com/office/drawing/2010/main">
+                <a:solidFill>
+                  <a:srgbClr val="FFFFFF"/>
+                </a:solidFill>
+              </a14:hiddenFill>
+            </a:ext>
+          </a:extLst>
+        </p:spPr>
+      </p:pic>
+      <p:pic>
+        <p:nvPicPr>
+          <p:cNvPr id="21" name="Picture 20" descr="Text&#10;&#10;Description automatically generated">
+            <a:extLst>
+              <a:ext uri="{FF2B5EF4-FFF2-40B4-BE49-F238E27FC236}">
+                <a16:creationId xmlns:a16="http://schemas.microsoft.com/office/drawing/2014/main" id="{7C1FE9E7-6827-49AF-88F2-44D04EB2FC15}"/>
+              </a:ext>
+            </a:extLst>
+          </p:cNvPr>
+          <p:cNvPicPr>
+            <a:picLocks noChangeAspect="1"/>
+          </p:cNvPicPr>
+          <p:nvPr/>
+        </p:nvPicPr>
+        <p:blipFill>
+          <a:blip r:embed="rId9">
+            <a:extLst>
+              <a:ext uri="{28A0092B-C50C-407E-A947-70E740481C1C}">
+                <a14:useLocalDpi xmlns:a14="http://schemas.microsoft.com/office/drawing/2010/main" val="0"/>
+              </a:ext>
+            </a:extLst>
+          </a:blip>
+          <a:stretch>
+            <a:fillRect/>
+          </a:stretch>
+        </p:blipFill>
+        <p:spPr>
+          <a:xfrm>
+            <a:off x="2865137" y="3436211"/>
+            <a:ext cx="2539999" cy="1269999"/>
+          </a:xfrm>
+          <a:prstGeom prst="rect">
+            <a:avLst/>
+          </a:prstGeom>
+        </p:spPr>
+      </p:pic>
+      <p:pic>
+        <p:nvPicPr>
+          <p:cNvPr id="1040" name="Picture 16" descr="Kemtai in The Next Web] Adventures with AI: Can computer vision and GPT-3  get me fit? - OurCrowd Blog">
+            <a:extLst>
+              <a:ext uri="{FF2B5EF4-FFF2-40B4-BE49-F238E27FC236}">
+                <a16:creationId xmlns:a16="http://schemas.microsoft.com/office/drawing/2014/main" id="{AD4667DA-38D2-4807-BECC-71E236D0D49E}"/>
+              </a:ext>
+            </a:extLst>
+          </p:cNvPr>
+          <p:cNvPicPr>
+            <a:picLocks noChangeAspect="1" noChangeArrowheads="1"/>
+          </p:cNvPicPr>
+          <p:nvPr/>
+        </p:nvPicPr>
+        <p:blipFill>
+          <a:blip r:embed="rId10">
+            <a:extLst>
+              <a:ext uri="{28A0092B-C50C-407E-A947-70E740481C1C}">
+                <a14:useLocalDpi xmlns:a14="http://schemas.microsoft.com/office/drawing/2010/main" val="0"/>
+              </a:ext>
+            </a:extLst>
+          </a:blip>
+          <a:srcRect/>
+          <a:stretch>
+            <a:fillRect/>
+          </a:stretch>
+        </p:blipFill>
+        <p:spPr bwMode="auto">
+          <a:xfrm>
+            <a:off x="5688896" y="3436209"/>
+            <a:ext cx="2358575" cy="1270002"/>
+          </a:xfrm>
+          <a:prstGeom prst="rect">
+            <a:avLst/>
+          </a:prstGeom>
+          <a:noFill/>
+          <a:extLst>
+            <a:ext uri="{909E8E84-426E-40DD-AFC4-6F175D3DCCD1}">
+              <a14:hiddenFill xmlns:a14="http://schemas.microsoft.com/office/drawing/2010/main">
+                <a:solidFill>
+                  <a:srgbClr val="FFFFFF"/>
+                </a:solidFill>
+              </a14:hiddenFill>
+            </a:ext>
+          </a:extLst>
+        </p:spPr>
+      </p:pic>
+      <p:pic>
+        <p:nvPicPr>
+          <p:cNvPr id="25" name="Picture 24">
+            <a:extLst>
+              <a:ext uri="{FF2B5EF4-FFF2-40B4-BE49-F238E27FC236}">
+                <a16:creationId xmlns:a16="http://schemas.microsoft.com/office/drawing/2014/main" id="{572B9BC0-5490-4A81-80E5-AFA496C8E881}"/>
+              </a:ext>
+            </a:extLst>
+          </p:cNvPr>
+          <p:cNvPicPr>
+            <a:picLocks noChangeAspect="1"/>
+          </p:cNvPicPr>
+          <p:nvPr/>
+        </p:nvPicPr>
+        <p:blipFill>
+          <a:blip r:embed="rId11"/>
+          <a:stretch>
+            <a:fillRect/>
+          </a:stretch>
+        </p:blipFill>
+        <p:spPr>
+          <a:xfrm>
+            <a:off x="127113" y="4861228"/>
+            <a:ext cx="2540612" cy="1270003"/>
+          </a:xfrm>
+          <a:prstGeom prst="rect">
+            <a:avLst/>
+          </a:prstGeom>
+        </p:spPr>
+      </p:pic>
+      <p:pic>
+        <p:nvPicPr>
+          <p:cNvPr id="1044" name="Picture 20" descr="Tech Xplore - Apps on Google Play">
+            <a:extLst>
+              <a:ext uri="{FF2B5EF4-FFF2-40B4-BE49-F238E27FC236}">
+                <a16:creationId xmlns:a16="http://schemas.microsoft.com/office/drawing/2014/main" id="{3EFBBEAF-5800-487D-AB89-075326E8A478}"/>
+              </a:ext>
+            </a:extLst>
+          </p:cNvPr>
+          <p:cNvPicPr>
+            <a:picLocks noChangeAspect="1" noChangeArrowheads="1"/>
+          </p:cNvPicPr>
+          <p:nvPr/>
+        </p:nvPicPr>
+        <p:blipFill>
+          <a:blip r:embed="rId12">
+            <a:extLst>
+              <a:ext uri="{28A0092B-C50C-407E-A947-70E740481C1C}">
+                <a14:useLocalDpi xmlns:a14="http://schemas.microsoft.com/office/drawing/2010/main" val="0"/>
+              </a:ext>
+            </a:extLst>
+          </a:blip>
+          <a:srcRect/>
+          <a:stretch>
+            <a:fillRect/>
+          </a:stretch>
+        </p:blipFill>
+        <p:spPr bwMode="auto">
+          <a:xfrm>
+            <a:off x="2834897" y="4862887"/>
+            <a:ext cx="2597569" cy="1268344"/>
+          </a:xfrm>
+          <a:prstGeom prst="rect">
+            <a:avLst/>
+          </a:prstGeom>
+          <a:noFill/>
+          <a:extLst>
+            <a:ext uri="{909E8E84-426E-40DD-AFC4-6F175D3DCCD1}">
+              <a14:hiddenFill xmlns:a14="http://schemas.microsoft.com/office/drawing/2010/main">
+                <a:solidFill>
+                  <a:srgbClr val="FFFFFF"/>
+                </a:solidFill>
+              </a14:hiddenFill>
+            </a:ext>
+          </a:extLst>
+        </p:spPr>
+      </p:pic>
+      <p:pic>
+        <p:nvPicPr>
+          <p:cNvPr id="27" name="Picture 26">
+            <a:extLst>
+              <a:ext uri="{FF2B5EF4-FFF2-40B4-BE49-F238E27FC236}">
+                <a16:creationId xmlns:a16="http://schemas.microsoft.com/office/drawing/2014/main" id="{223BE78D-B311-4593-ADDB-178E61FF2714}"/>
+              </a:ext>
+            </a:extLst>
+          </p:cNvPr>
+          <p:cNvPicPr>
+            <a:picLocks noChangeAspect="1"/>
+          </p:cNvPicPr>
+          <p:nvPr/>
+        </p:nvPicPr>
+        <p:blipFill>
+          <a:blip r:embed="rId13"/>
+          <a:stretch>
+            <a:fillRect/>
+          </a:stretch>
+        </p:blipFill>
+        <p:spPr>
+          <a:xfrm>
+            <a:off x="5688896" y="4861229"/>
+            <a:ext cx="2597569" cy="1268344"/>
+          </a:xfrm>
+          <a:prstGeom prst="rect">
+            <a:avLst/>
+          </a:prstGeom>
+        </p:spPr>
+      </p:pic>
+      <p:pic>
+        <p:nvPicPr>
+          <p:cNvPr id="1026" name="Picture 2" descr="中央電視台| 央视春晚维基| Fandom">
+            <a:extLst>
+              <a:ext uri="{FF2B5EF4-FFF2-40B4-BE49-F238E27FC236}">
+                <a16:creationId xmlns:a16="http://schemas.microsoft.com/office/drawing/2014/main" id="{6C8D4B68-A507-436B-8EFD-2B6C02FE6E07}"/>
+              </a:ext>
+            </a:extLst>
+          </p:cNvPr>
+          <p:cNvPicPr>
+            <a:picLocks noChangeAspect="1" noChangeArrowheads="1"/>
+          </p:cNvPicPr>
+          <p:nvPr/>
+        </p:nvPicPr>
+        <p:blipFill rotWithShape="1">
+          <a:blip r:embed="rId14">
+            <a:extLst>
+              <a:ext uri="{28A0092B-C50C-407E-A947-70E740481C1C}">
+                <a14:useLocalDpi xmlns:a14="http://schemas.microsoft.com/office/drawing/2010/main" val="0"/>
+              </a:ext>
+            </a:extLst>
+          </a:blip>
+          <a:srcRect t="5668" b="6167"/>
+          <a:stretch/>
+        </p:blipFill>
+        <p:spPr bwMode="auto">
+          <a:xfrm>
+            <a:off x="218131" y="3429000"/>
+            <a:ext cx="2358575" cy="1277210"/>
+          </a:xfrm>
+          <a:prstGeom prst="rect">
+            <a:avLst/>
+          </a:prstGeom>
+          <a:noFill/>
+          <a:extLst>
+            <a:ext uri="{909E8E84-426E-40DD-AFC4-6F175D3DCCD1}">
+              <a14:hiddenFill xmlns:a14="http://schemas.microsoft.com/office/drawing/2010/main">
+                <a:solidFill>
+                  <a:srgbClr val="FFFFFF"/>
+                </a:solidFill>
+              </a14:hiddenFill>
+            </a:ext>
+          </a:extLst>
+        </p:spPr>
+      </p:pic>
+    </p:spTree>
+    <p:extLst>
+      <p:ext uri="{BB962C8B-B14F-4D97-AF65-F5344CB8AC3E}">
+        <p14:creationId xmlns:p14="http://schemas.microsoft.com/office/powerpoint/2010/main" val="3601860956"/>
+      </p:ext>
+    </p:extLst>
+  </p:cSld>
+  <p:clrMapOvr>
+    <a:masterClrMapping/>
+  </p:clrMapOvr>
+</p:sld>
+</file>
+
+<file path=ppt/slides/slide3.xml><?xml version="1.0" encoding="utf-8"?>
+<p:sld xmlns:a="http://schemas.openxmlformats.org/drawingml/2006/main" xmlns:r="http://schemas.openxmlformats.org/officeDocument/2006/relationships" xmlns:p="http://schemas.openxmlformats.org/presentationml/2006/main">
+  <p:cSld>
+    <p:spTree>
+      <p:nvGrpSpPr>
+        <p:cNvPr id="1" name=""/>
+        <p:cNvGrpSpPr/>
+        <p:nvPr/>
+      </p:nvGrpSpPr>
+      <p:grpSpPr>
+        <a:xfrm>
+          <a:off x="0" y="0"/>
+          <a:ext cx="0" cy="0"/>
+          <a:chOff x="0" y="0"/>
+          <a:chExt cx="0" cy="0"/>
+        </a:xfrm>
+      </p:grpSpPr>
       <p:sp>
         <p:nvSpPr>
           <p:cNvPr id="5" name="Rectangle 4">
@@ -4279,4 +5220,299 @@
     </a:ext>
   </a:extLst>
 </a:theme>
+</file>
+
+<file path=ppt/theme/theme2.xml><?xml version="1.0" encoding="utf-8"?>
+<a:theme xmlns:a="http://schemas.openxmlformats.org/drawingml/2006/main" name="Office Theme">
+  <a:themeElements>
+    <a:clrScheme name="Office">
+      <a:dk1>
+        <a:sysClr val="windowText" lastClr="000000"/>
+      </a:dk1>
+      <a:lt1>
+        <a:sysClr val="window" lastClr="FFFFFF"/>
+      </a:lt1>
+      <a:dk2>
+        <a:srgbClr val="44546A"/>
+      </a:dk2>
+      <a:lt2>
+        <a:srgbClr val="E7E6E6"/>
+      </a:lt2>
+      <a:accent1>
+        <a:srgbClr val="4472C4"/>
+      </a:accent1>
+      <a:accent2>
+        <a:srgbClr val="ED7D31"/>
+      </a:accent2>
+      <a:accent3>
+        <a:srgbClr val="A5A5A5"/>
+      </a:accent3>
+      <a:accent4>
+        <a:srgbClr val="FFC000"/>
+      </a:accent4>
+      <a:accent5>
+        <a:srgbClr val="5B9BD5"/>
+      </a:accent5>
+      <a:accent6>
+        <a:srgbClr val="70AD47"/>
+      </a:accent6>
+      <a:hlink>
+        <a:srgbClr val="0563C1"/>
+      </a:hlink>
+      <a:folHlink>
+        <a:srgbClr val="954F72"/>
+      </a:folHlink>
+    </a:clrScheme>
+    <a:fontScheme name="Office">
+      <a:majorFont>
+        <a:latin typeface="等线 Light" panose="020F0302020204030204"/>
+        <a:ea typeface=""/>
+        <a:cs typeface=""/>
+        <a:font script="Jpan" typeface="游ゴシック Light"/>
+        <a:font script="Hang" typeface="맑은 고딕"/>
+        <a:font script="Hans" typeface="等线 Light"/>
+        <a:font script="Hant" typeface="新細明體"/>
+        <a:font script="Arab" typeface="Times New Roman"/>
+        <a:font script="Hebr" typeface="Times New Roman"/>
+        <a:font script="Thai" typeface="Angsana New"/>
+        <a:font script="Ethi" typeface="Nyala"/>
+        <a:font script="Beng" typeface="Vrinda"/>
+        <a:font script="Gujr" typeface="Shruti"/>
+        <a:font script="Khmr" typeface="MoolBoran"/>
+        <a:font script="Knda" typeface="Tunga"/>
+        <a:font script="Guru" typeface="Raavi"/>
+        <a:font script="Cans" typeface="Euphemia"/>
+        <a:font script="Cher" typeface="Plantagenet Cherokee"/>
+        <a:font script="Yiii" typeface="Microsoft Yi Baiti"/>
+        <a:font script="Tibt" typeface="Microsoft Himalaya"/>
+        <a:font script="Thaa" typeface="MV Boli"/>
+        <a:font script="Deva" typeface="Mangal"/>
+        <a:font script="Telu" typeface="Gautami"/>
+        <a:font script="Taml" typeface="Latha"/>
+        <a:font script="Syrc" typeface="Estrangelo Edessa"/>
+        <a:font script="Orya" typeface="Kalinga"/>
+        <a:font script="Mlym" typeface="Kartika"/>
+        <a:font script="Laoo" typeface="DokChampa"/>
+        <a:font script="Sinh" typeface="Iskoola Pota"/>
+        <a:font script="Mong" typeface="Mongolian Baiti"/>
+        <a:font script="Viet" typeface="Times New Roman"/>
+        <a:font script="Uigh" typeface="Microsoft Uighur"/>
+        <a:font script="Geor" typeface="Sylfaen"/>
+        <a:font script="Armn" typeface="Arial"/>
+        <a:font script="Bugi" typeface="Leelawadee UI"/>
+        <a:font script="Bopo" typeface="Microsoft JhengHei"/>
+        <a:font script="Java" typeface="Javanese Text"/>
+        <a:font script="Lisu" typeface="Segoe UI"/>
+        <a:font script="Mymr" typeface="Myanmar Text"/>
+        <a:font script="Nkoo" typeface="Ebrima"/>
+        <a:font script="Olck" typeface="Nirmala UI"/>
+        <a:font script="Osma" typeface="Ebrima"/>
+        <a:font script="Phag" typeface="Phagspa"/>
+        <a:font script="Syrn" typeface="Estrangelo Edessa"/>
+        <a:font script="Syrj" typeface="Estrangelo Edessa"/>
+        <a:font script="Syre" typeface="Estrangelo Edessa"/>
+        <a:font script="Sora" typeface="Nirmala UI"/>
+        <a:font script="Tale" typeface="Microsoft Tai Le"/>
+        <a:font script="Talu" typeface="Microsoft New Tai Lue"/>
+        <a:font script="Tfng" typeface="Ebrima"/>
+      </a:majorFont>
+      <a:minorFont>
+        <a:latin typeface="等线" panose="020F0502020204030204"/>
+        <a:ea typeface=""/>
+        <a:cs typeface=""/>
+        <a:font script="Jpan" typeface="游ゴシック"/>
+        <a:font script="Hang" typeface="맑은 고딕"/>
+        <a:font script="Hans" typeface="等线"/>
+        <a:font script="Hant" typeface="新細明體"/>
+        <a:font script="Arab" typeface="Arial"/>
+        <a:font script="Hebr" typeface="Arial"/>
+        <a:font script="Thai" typeface="Cordia New"/>
+        <a:font script="Ethi" typeface="Nyala"/>
+        <a:font script="Beng" typeface="Vrinda"/>
+        <a:font script="Gujr" typeface="Shruti"/>
+        <a:font script="Khmr" typeface="DaunPenh"/>
+        <a:font script="Knda" typeface="Tunga"/>
+        <a:font script="Guru" typeface="Raavi"/>
+        <a:font script="Cans" typeface="Euphemia"/>
+        <a:font script="Cher" typeface="Plantagenet Cherokee"/>
+        <a:font script="Yiii" typeface="Microsoft Yi Baiti"/>
+        <a:font script="Tibt" typeface="Microsoft Himalaya"/>
+        <a:font script="Thaa" typeface="MV Boli"/>
+        <a:font script="Deva" typeface="Mangal"/>
+        <a:font script="Telu" typeface="Gautami"/>
+        <a:font script="Taml" typeface="Latha"/>
+        <a:font script="Syrc" typeface="Estrangelo Edessa"/>
+        <a:font script="Orya" typeface="Kalinga"/>
+        <a:font script="Mlym" typeface="Kartika"/>
+        <a:font script="Laoo" typeface="DokChampa"/>
+        <a:font script="Sinh" typeface="Iskoola Pota"/>
+        <a:font script="Mong" typeface="Mongolian Baiti"/>
+        <a:font script="Viet" typeface="Arial"/>
+        <a:font script="Uigh" typeface="Microsoft Uighur"/>
+        <a:font script="Geor" typeface="Sylfaen"/>
+        <a:font script="Armn" typeface="Arial"/>
+        <a:font script="Bugi" typeface="Leelawadee UI"/>
+        <a:font script="Bopo" typeface="Microsoft JhengHei"/>
+        <a:font script="Java" typeface="Javanese Text"/>
+        <a:font script="Lisu" typeface="Segoe UI"/>
+        <a:font script="Mymr" typeface="Myanmar Text"/>
+        <a:font script="Nkoo" typeface="Ebrima"/>
+        <a:font script="Olck" typeface="Nirmala UI"/>
+        <a:font script="Osma" typeface="Ebrima"/>
+        <a:font script="Phag" typeface="Phagspa"/>
+        <a:font script="Syrn" typeface="Estrangelo Edessa"/>
+        <a:font script="Syrj" typeface="Estrangelo Edessa"/>
+        <a:font script="Syre" typeface="Estrangelo Edessa"/>
+        <a:font script="Sora" typeface="Nirmala UI"/>
+        <a:font script="Tale" typeface="Microsoft Tai Le"/>
+        <a:font script="Talu" typeface="Microsoft New Tai Lue"/>
+        <a:font script="Tfng" typeface="Ebrima"/>
+      </a:minorFont>
+    </a:fontScheme>
+    <a:fmtScheme name="Office">
+      <a:fillStyleLst>
+        <a:solidFill>
+          <a:schemeClr val="phClr"/>
+        </a:solidFill>
+        <a:gradFill rotWithShape="1">
+          <a:gsLst>
+            <a:gs pos="0">
+              <a:schemeClr val="phClr">
+                <a:lumMod val="110000"/>
+                <a:satMod val="105000"/>
+                <a:tint val="67000"/>
+              </a:schemeClr>
+            </a:gs>
+            <a:gs pos="50000">
+              <a:schemeClr val="phClr">
+                <a:lumMod val="105000"/>
+                <a:satMod val="103000"/>
+                <a:tint val="73000"/>
+              </a:schemeClr>
+            </a:gs>
+            <a:gs pos="100000">
+              <a:schemeClr val="phClr">
+                <a:lumMod val="105000"/>
+                <a:satMod val="109000"/>
+                <a:tint val="81000"/>
+              </a:schemeClr>
+            </a:gs>
+          </a:gsLst>
+          <a:lin ang="5400000" scaled="0"/>
+        </a:gradFill>
+        <a:gradFill rotWithShape="1">
+          <a:gsLst>
+            <a:gs pos="0">
+              <a:schemeClr val="phClr">
+                <a:satMod val="103000"/>
+                <a:lumMod val="102000"/>
+                <a:tint val="94000"/>
+              </a:schemeClr>
+            </a:gs>
+            <a:gs pos="50000">
+              <a:schemeClr val="phClr">
+                <a:satMod val="110000"/>
+                <a:lumMod val="100000"/>
+                <a:shade val="100000"/>
+              </a:schemeClr>
+            </a:gs>
+            <a:gs pos="100000">
+              <a:schemeClr val="phClr">
+                <a:lumMod val="99000"/>
+                <a:satMod val="120000"/>
+                <a:shade val="78000"/>
+              </a:schemeClr>
+            </a:gs>
+          </a:gsLst>
+          <a:lin ang="5400000" scaled="0"/>
+        </a:gradFill>
+      </a:fillStyleLst>
+      <a:lnStyleLst>
+        <a:ln w="6350" cap="flat" cmpd="sng" algn="ctr">
+          <a:solidFill>
+            <a:schemeClr val="phClr"/>
+          </a:solidFill>
+          <a:prstDash val="solid"/>
+          <a:miter lim="800000"/>
+        </a:ln>
+        <a:ln w="12700" cap="flat" cmpd="sng" algn="ctr">
+          <a:solidFill>
+            <a:schemeClr val="phClr"/>
+          </a:solidFill>
+          <a:prstDash val="solid"/>
+          <a:miter lim="800000"/>
+        </a:ln>
+        <a:ln w="19050" cap="flat" cmpd="sng" algn="ctr">
+          <a:solidFill>
+            <a:schemeClr val="phClr"/>
+          </a:solidFill>
+          <a:prstDash val="solid"/>
+          <a:miter lim="800000"/>
+        </a:ln>
+      </a:lnStyleLst>
+      <a:effectStyleLst>
+        <a:effectStyle>
+          <a:effectLst/>
+        </a:effectStyle>
+        <a:effectStyle>
+          <a:effectLst/>
+        </a:effectStyle>
+        <a:effectStyle>
+          <a:effectLst>
+            <a:outerShdw blurRad="57150" dist="19050" dir="5400000" algn="ctr" rotWithShape="0">
+              <a:srgbClr val="000000">
+                <a:alpha val="63000"/>
+              </a:srgbClr>
+            </a:outerShdw>
+          </a:effectLst>
+        </a:effectStyle>
+      </a:effectStyleLst>
+      <a:bgFillStyleLst>
+        <a:solidFill>
+          <a:schemeClr val="phClr"/>
+        </a:solidFill>
+        <a:solidFill>
+          <a:schemeClr val="phClr">
+            <a:tint val="95000"/>
+            <a:satMod val="170000"/>
+          </a:schemeClr>
+        </a:solidFill>
+        <a:gradFill rotWithShape="1">
+          <a:gsLst>
+            <a:gs pos="0">
+              <a:schemeClr val="phClr">
+                <a:tint val="93000"/>
+                <a:satMod val="150000"/>
+                <a:shade val="98000"/>
+                <a:lumMod val="102000"/>
+              </a:schemeClr>
+            </a:gs>
+            <a:gs pos="50000">
+              <a:schemeClr val="phClr">
+                <a:tint val="98000"/>
+                <a:satMod val="130000"/>
+                <a:shade val="90000"/>
+                <a:lumMod val="103000"/>
+              </a:schemeClr>
+            </a:gs>
+            <a:gs pos="100000">
+              <a:schemeClr val="phClr">
+                <a:shade val="63000"/>
+                <a:satMod val="120000"/>
+              </a:schemeClr>
+            </a:gs>
+          </a:gsLst>
+          <a:lin ang="5400000" scaled="0"/>
+        </a:gradFill>
+      </a:bgFillStyleLst>
+    </a:fmtScheme>
+  </a:themeElements>
+  <a:objectDefaults/>
+  <a:extraClrSchemeLst/>
+  <a:extLst>
+    <a:ext uri="{05A4C25C-085E-4340-85A3-A5531E510DB2}">
+      <thm15:themeFamily xmlns:thm15="http://schemas.microsoft.com/office/thememl/2012/main" name="Office Theme" id="{62F939B6-93AF-4DB8-9C6B-D6C7DFDC589F}" vid="{4A3C46E8-61CC-4603-A589-7422A47A8E4A}"/>
+    </a:ext>
+  </a:extLst>
+</a:theme>
 </file>
--- a/zzx_gallery/highlight/New Microsoft PowerPoint Presentation.pptx
+++ b/zzx_gallery/highlight/New Microsoft PowerPoint Presentation.pptx
@@ -5,12 +5,11 @@
     <p:sldMasterId id="2147483648" r:id="rId1"/>
   </p:sldMasterIdLst>
   <p:notesMasterIdLst>
-    <p:notesMasterId r:id="rId5"/>
+    <p:notesMasterId r:id="rId4"/>
   </p:notesMasterIdLst>
   <p:sldIdLst>
-    <p:sldId id="256" r:id="rId2"/>
-    <p:sldId id="258" r:id="rId3"/>
-    <p:sldId id="257" r:id="rId4"/>
+    <p:sldId id="258" r:id="rId2"/>
+    <p:sldId id="257" r:id="rId3"/>
   </p:sldIdLst>
   <p:sldSz cx="12192000" cy="6858000"/>
   <p:notesSz cx="6858000" cy="9144000"/>
@@ -199,7 +198,7 @@
           <a:p>
             <a:fld id="{94F1626B-AC47-4037-AB77-688A7E9B8865}" type="datetimeFigureOut">
               <a:rPr lang="zh-CN" altLang="en-US" smtClean="0"/>
-              <a:t>2022/1/19</a:t>
+              <a:t>2022/2/5</a:t>
             </a:fld>
             <a:endParaRPr lang="zh-CN" altLang="en-US"/>
           </a:p>
@@ -532,7 +531,7 @@
           <a:p>
             <a:fld id="{6C1F838D-CE99-4449-AE12-DF82C111171E}" type="slidenum">
               <a:rPr lang="zh-CN" altLang="en-US" smtClean="0"/>
-              <a:t>2</a:t>
+              <a:t>1</a:t>
             </a:fld>
             <a:endParaRPr lang="zh-CN" altLang="en-US"/>
           </a:p>
@@ -698,7 +697,7 @@
           <a:p>
             <a:fld id="{841BF3FB-071E-4A67-A8E5-61F07039253F}" type="datetimeFigureOut">
               <a:rPr lang="en-US" smtClean="0"/>
-              <a:t>1/19/2022</a:t>
+              <a:t>2/5/2022</a:t>
             </a:fld>
             <a:endParaRPr lang="en-US"/>
           </a:p>
@@ -896,7 +895,7 @@
           <a:p>
             <a:fld id="{841BF3FB-071E-4A67-A8E5-61F07039253F}" type="datetimeFigureOut">
               <a:rPr lang="en-US" smtClean="0"/>
-              <a:t>1/19/2022</a:t>
+              <a:t>2/5/2022</a:t>
             </a:fld>
             <a:endParaRPr lang="en-US"/>
           </a:p>
@@ -1104,7 +1103,7 @@
           <a:p>
             <a:fld id="{841BF3FB-071E-4A67-A8E5-61F07039253F}" type="datetimeFigureOut">
               <a:rPr lang="en-US" smtClean="0"/>
-              <a:t>1/19/2022</a:t>
+              <a:t>2/5/2022</a:t>
             </a:fld>
             <a:endParaRPr lang="en-US"/>
           </a:p>
@@ -1302,7 +1301,7 @@
           <a:p>
             <a:fld id="{841BF3FB-071E-4A67-A8E5-61F07039253F}" type="datetimeFigureOut">
               <a:rPr lang="en-US" smtClean="0"/>
-              <a:t>1/19/2022</a:t>
+              <a:t>2/5/2022</a:t>
             </a:fld>
             <a:endParaRPr lang="en-US"/>
           </a:p>
@@ -1577,7 +1576,7 @@
           <a:p>
             <a:fld id="{841BF3FB-071E-4A67-A8E5-61F07039253F}" type="datetimeFigureOut">
               <a:rPr lang="en-US" smtClean="0"/>
-              <a:t>1/19/2022</a:t>
+              <a:t>2/5/2022</a:t>
             </a:fld>
             <a:endParaRPr lang="en-US"/>
           </a:p>
@@ -1842,7 +1841,7 @@
           <a:p>
             <a:fld id="{841BF3FB-071E-4A67-A8E5-61F07039253F}" type="datetimeFigureOut">
               <a:rPr lang="en-US" smtClean="0"/>
-              <a:t>1/19/2022</a:t>
+              <a:t>2/5/2022</a:t>
             </a:fld>
             <a:endParaRPr lang="en-US"/>
           </a:p>
@@ -2254,7 +2253,7 @@
           <a:p>
             <a:fld id="{841BF3FB-071E-4A67-A8E5-61F07039253F}" type="datetimeFigureOut">
               <a:rPr lang="en-US" smtClean="0"/>
-              <a:t>1/19/2022</a:t>
+              <a:t>2/5/2022</a:t>
             </a:fld>
             <a:endParaRPr lang="en-US"/>
           </a:p>
@@ -2395,7 +2394,7 @@
           <a:p>
             <a:fld id="{841BF3FB-071E-4A67-A8E5-61F07039253F}" type="datetimeFigureOut">
               <a:rPr lang="en-US" smtClean="0"/>
-              <a:t>1/19/2022</a:t>
+              <a:t>2/5/2022</a:t>
             </a:fld>
             <a:endParaRPr lang="en-US"/>
           </a:p>
@@ -2508,7 +2507,7 @@
           <a:p>
             <a:fld id="{841BF3FB-071E-4A67-A8E5-61F07039253F}" type="datetimeFigureOut">
               <a:rPr lang="en-US" smtClean="0"/>
-              <a:t>1/19/2022</a:t>
+              <a:t>2/5/2022</a:t>
             </a:fld>
             <a:endParaRPr lang="en-US"/>
           </a:p>
@@ -2819,7 +2818,7 @@
           <a:p>
             <a:fld id="{841BF3FB-071E-4A67-A8E5-61F07039253F}" type="datetimeFigureOut">
               <a:rPr lang="en-US" smtClean="0"/>
-              <a:t>1/19/2022</a:t>
+              <a:t>2/5/2022</a:t>
             </a:fld>
             <a:endParaRPr lang="en-US"/>
           </a:p>
@@ -3107,7 +3106,7 @@
           <a:p>
             <a:fld id="{841BF3FB-071E-4A67-A8E5-61F07039253F}" type="datetimeFigureOut">
               <a:rPr lang="en-US" smtClean="0"/>
-              <a:t>1/19/2022</a:t>
+              <a:t>2/5/2022</a:t>
             </a:fld>
             <a:endParaRPr lang="en-US"/>
           </a:p>
@@ -3348,7 +3347,7 @@
           <a:p>
             <a:fld id="{841BF3FB-071E-4A67-A8E5-61F07039253F}" type="datetimeFigureOut">
               <a:rPr lang="en-US" smtClean="0"/>
-              <a:t>1/19/2022</a:t>
+              <a:t>2/5/2022</a:t>
             </a:fld>
             <a:endParaRPr lang="en-US"/>
           </a:p>
@@ -3780,509 +3779,6 @@
           <p:nvPr/>
         </p:nvPicPr>
         <p:blipFill>
-          <a:blip r:embed="rId2">
-            <a:extLst>
-              <a:ext uri="{28A0092B-C50C-407E-A947-70E740481C1C}">
-                <a14:useLocalDpi xmlns:a14="http://schemas.microsoft.com/office/drawing/2010/main" val="0"/>
-              </a:ext>
-            </a:extLst>
-          </a:blip>
-          <a:stretch>
-            <a:fillRect/>
-          </a:stretch>
-        </p:blipFill>
-        <p:spPr>
-          <a:xfrm>
-            <a:off x="130404" y="93431"/>
-            <a:ext cx="2540000" cy="1270000"/>
-          </a:xfrm>
-          <a:prstGeom prst="rect">
-            <a:avLst/>
-          </a:prstGeom>
-          <a:effectLst/>
-        </p:spPr>
-      </p:pic>
-      <p:pic>
-        <p:nvPicPr>
-          <p:cNvPr id="18" name="Picture 17">
-            <a:extLst>
-              <a:ext uri="{FF2B5EF4-FFF2-40B4-BE49-F238E27FC236}">
-                <a16:creationId xmlns:a16="http://schemas.microsoft.com/office/drawing/2014/main" id="{950F88D9-B56E-4B89-BE68-9C4F38A4073B}"/>
-              </a:ext>
-            </a:extLst>
-          </p:cNvPr>
-          <p:cNvPicPr>
-            <a:picLocks noChangeAspect="1"/>
-          </p:cNvPicPr>
-          <p:nvPr/>
-        </p:nvPicPr>
-        <p:blipFill rotWithShape="1">
-          <a:blip r:embed="rId3"/>
-          <a:srcRect t="3443" b="8157"/>
-          <a:stretch/>
-        </p:blipFill>
-        <p:spPr>
-          <a:xfrm>
-            <a:off x="2865138" y="93429"/>
-            <a:ext cx="2540000" cy="1269999"/>
-          </a:xfrm>
-          <a:prstGeom prst="rect">
-            <a:avLst/>
-          </a:prstGeom>
-          <a:effectLst/>
-        </p:spPr>
-      </p:pic>
-      <p:pic>
-        <p:nvPicPr>
-          <p:cNvPr id="19" name="Picture 18">
-            <a:extLst>
-              <a:ext uri="{FF2B5EF4-FFF2-40B4-BE49-F238E27FC236}">
-                <a16:creationId xmlns:a16="http://schemas.microsoft.com/office/drawing/2014/main" id="{557C7F62-BBEC-4743-AF84-68C177540E27}"/>
-              </a:ext>
-            </a:extLst>
-          </p:cNvPr>
-          <p:cNvPicPr>
-            <a:picLocks noChangeAspect="1"/>
-          </p:cNvPicPr>
-          <p:nvPr/>
-        </p:nvPicPr>
-        <p:blipFill rotWithShape="1">
-          <a:blip r:embed="rId4"/>
-          <a:srcRect t="6776" b="11480"/>
-          <a:stretch/>
-        </p:blipFill>
-        <p:spPr>
-          <a:xfrm>
-            <a:off x="129792" y="1516791"/>
-            <a:ext cx="2540612" cy="1269999"/>
-          </a:xfrm>
-          <a:prstGeom prst="rect">
-            <a:avLst/>
-          </a:prstGeom>
-          <a:effectLst/>
-        </p:spPr>
-      </p:pic>
-      <p:pic>
-        <p:nvPicPr>
-          <p:cNvPr id="1028" name="Picture 4" descr="Runway Blog">
-            <a:extLst>
-              <a:ext uri="{FF2B5EF4-FFF2-40B4-BE49-F238E27FC236}">
-                <a16:creationId xmlns:a16="http://schemas.microsoft.com/office/drawing/2014/main" id="{1250578D-9860-4AA2-82DE-1922597EA7CB}"/>
-              </a:ext>
-            </a:extLst>
-          </p:cNvPr>
-          <p:cNvPicPr>
-            <a:picLocks noChangeAspect="1" noChangeArrowheads="1"/>
-          </p:cNvPicPr>
-          <p:nvPr/>
-        </p:nvPicPr>
-        <p:blipFill rotWithShape="1">
-          <a:blip r:embed="rId5">
-            <a:extLst>
-              <a:ext uri="{28A0092B-C50C-407E-A947-70E740481C1C}">
-                <a14:useLocalDpi xmlns:a14="http://schemas.microsoft.com/office/drawing/2010/main" val="0"/>
-              </a:ext>
-            </a:extLst>
-          </a:blip>
-          <a:srcRect l="11313" t="14835" r="11527" b="14835"/>
-          <a:stretch/>
-        </p:blipFill>
-        <p:spPr bwMode="auto">
-          <a:xfrm>
-            <a:off x="5599638" y="93429"/>
-            <a:ext cx="2540000" cy="1270001"/>
-          </a:xfrm>
-          <a:prstGeom prst="rect">
-            <a:avLst/>
-          </a:prstGeom>
-          <a:noFill/>
-          <a:effectLst/>
-          <a:extLst>
-            <a:ext uri="{909E8E84-426E-40DD-AFC4-6F175D3DCCD1}">
-              <a14:hiddenFill xmlns:a14="http://schemas.microsoft.com/office/drawing/2010/main">
-                <a:solidFill>
-                  <a:srgbClr val="FFFFFF"/>
-                </a:solidFill>
-              </a14:hiddenFill>
-            </a:ext>
-          </a:extLst>
-        </p:spPr>
-      </p:pic>
-      <p:pic>
-        <p:nvPicPr>
-          <p:cNvPr id="1030" name="Picture 6" descr="GitHub - PaddlePaddle/PaddleHub: Awesome pre-trained models toolkit based  on PaddlePaddle.(300+ models including Image, Text, Audio and Video with  Easy Inference &amp;amp; Serving deployment)">
-            <a:extLst>
-              <a:ext uri="{FF2B5EF4-FFF2-40B4-BE49-F238E27FC236}">
-                <a16:creationId xmlns:a16="http://schemas.microsoft.com/office/drawing/2014/main" id="{5E257D77-0AFA-4935-BF41-805F4F05EDC7}"/>
-              </a:ext>
-            </a:extLst>
-          </p:cNvPr>
-          <p:cNvPicPr>
-            <a:picLocks noChangeAspect="1" noChangeArrowheads="1"/>
-          </p:cNvPicPr>
-          <p:nvPr/>
-        </p:nvPicPr>
-        <p:blipFill>
-          <a:blip r:embed="rId6">
-            <a:extLst>
-              <a:ext uri="{28A0092B-C50C-407E-A947-70E740481C1C}">
-                <a14:useLocalDpi xmlns:a14="http://schemas.microsoft.com/office/drawing/2010/main" val="0"/>
-              </a:ext>
-            </a:extLst>
-          </a:blip>
-          <a:srcRect/>
-          <a:stretch>
-            <a:fillRect/>
-          </a:stretch>
-        </p:blipFill>
-        <p:spPr bwMode="auto">
-          <a:xfrm>
-            <a:off x="5599638" y="1516790"/>
-            <a:ext cx="2540612" cy="1270000"/>
-          </a:xfrm>
-          <a:prstGeom prst="rect">
-            <a:avLst/>
-          </a:prstGeom>
-          <a:noFill/>
-          <a:effectLst/>
-          <a:extLst>
-            <a:ext uri="{909E8E84-426E-40DD-AFC4-6F175D3DCCD1}">
-              <a14:hiddenFill xmlns:a14="http://schemas.microsoft.com/office/drawing/2010/main">
-                <a:solidFill>
-                  <a:srgbClr val="FFFFFF"/>
-                </a:solidFill>
-              </a14:hiddenFill>
-            </a:ext>
-          </a:extLst>
-        </p:spPr>
-      </p:pic>
-      <p:pic>
-        <p:nvPicPr>
-          <p:cNvPr id="1032" name="Picture 8" descr="Weights &amp;amp; Biases – Developer tools for ML">
-            <a:extLst>
-              <a:ext uri="{FF2B5EF4-FFF2-40B4-BE49-F238E27FC236}">
-                <a16:creationId xmlns:a16="http://schemas.microsoft.com/office/drawing/2014/main" id="{DC1501BD-0608-49F2-8AD4-53547CBCC9E0}"/>
-              </a:ext>
-            </a:extLst>
-          </p:cNvPr>
-          <p:cNvPicPr>
-            <a:picLocks noChangeAspect="1" noChangeArrowheads="1"/>
-          </p:cNvPicPr>
-          <p:nvPr/>
-        </p:nvPicPr>
-        <p:blipFill>
-          <a:blip r:embed="rId7">
-            <a:extLst>
-              <a:ext uri="{28A0092B-C50C-407E-A947-70E740481C1C}">
-                <a14:useLocalDpi xmlns:a14="http://schemas.microsoft.com/office/drawing/2010/main" val="0"/>
-              </a:ext>
-            </a:extLst>
-          </a:blip>
-          <a:srcRect/>
-          <a:stretch>
-            <a:fillRect/>
-          </a:stretch>
-        </p:blipFill>
-        <p:spPr bwMode="auto">
-          <a:xfrm>
-            <a:off x="2865137" y="1518446"/>
-            <a:ext cx="2540000" cy="1268344"/>
-          </a:xfrm>
-          <a:prstGeom prst="rect">
-            <a:avLst/>
-          </a:prstGeom>
-          <a:noFill/>
-          <a:extLst>
-            <a:ext uri="{909E8E84-426E-40DD-AFC4-6F175D3DCCD1}">
-              <a14:hiddenFill xmlns:a14="http://schemas.microsoft.com/office/drawing/2010/main">
-                <a:solidFill>
-                  <a:srgbClr val="FFFFFF"/>
-                </a:solidFill>
-              </a14:hiddenFill>
-            </a:ext>
-          </a:extLst>
-        </p:spPr>
-      </p:pic>
-      <p:pic>
-        <p:nvPicPr>
-          <p:cNvPr id="1034" name="Picture 10" descr="Synced 机器之心招聘专版和现任员工档案| 寻求内推| 领英">
-            <a:extLst>
-              <a:ext uri="{FF2B5EF4-FFF2-40B4-BE49-F238E27FC236}">
-                <a16:creationId xmlns:a16="http://schemas.microsoft.com/office/drawing/2014/main" id="{61D37E2D-A7CB-4891-A197-E40FFD76797F}"/>
-              </a:ext>
-            </a:extLst>
-          </p:cNvPr>
-          <p:cNvPicPr>
-            <a:picLocks noChangeAspect="1" noChangeArrowheads="1"/>
-          </p:cNvPicPr>
-          <p:nvPr/>
-        </p:nvPicPr>
-        <p:blipFill rotWithShape="1">
-          <a:blip r:embed="rId8">
-            <a:extLst>
-              <a:ext uri="{28A0092B-C50C-407E-A947-70E740481C1C}">
-                <a14:useLocalDpi xmlns:a14="http://schemas.microsoft.com/office/drawing/2010/main" val="0"/>
-              </a:ext>
-            </a:extLst>
-          </a:blip>
-          <a:srcRect t="3344" b="3768"/>
-          <a:stretch/>
-        </p:blipFill>
-        <p:spPr bwMode="auto">
-          <a:xfrm>
-            <a:off x="128339" y="3436212"/>
-            <a:ext cx="2540000" cy="1269999"/>
-          </a:xfrm>
-          <a:prstGeom prst="rect">
-            <a:avLst/>
-          </a:prstGeom>
-          <a:noFill/>
-          <a:extLst>
-            <a:ext uri="{909E8E84-426E-40DD-AFC4-6F175D3DCCD1}">
-              <a14:hiddenFill xmlns:a14="http://schemas.microsoft.com/office/drawing/2010/main">
-                <a:solidFill>
-                  <a:srgbClr val="FFFFFF"/>
-                </a:solidFill>
-              </a14:hiddenFill>
-            </a:ext>
-          </a:extLst>
-        </p:spPr>
-      </p:pic>
-      <p:pic>
-        <p:nvPicPr>
-          <p:cNvPr id="21" name="Picture 20" descr="Text&#10;&#10;Description automatically generated">
-            <a:extLst>
-              <a:ext uri="{FF2B5EF4-FFF2-40B4-BE49-F238E27FC236}">
-                <a16:creationId xmlns:a16="http://schemas.microsoft.com/office/drawing/2014/main" id="{7C1FE9E7-6827-49AF-88F2-44D04EB2FC15}"/>
-              </a:ext>
-            </a:extLst>
-          </p:cNvPr>
-          <p:cNvPicPr>
-            <a:picLocks noChangeAspect="1"/>
-          </p:cNvPicPr>
-          <p:nvPr/>
-        </p:nvPicPr>
-        <p:blipFill>
-          <a:blip r:embed="rId9">
-            <a:extLst>
-              <a:ext uri="{28A0092B-C50C-407E-A947-70E740481C1C}">
-                <a14:useLocalDpi xmlns:a14="http://schemas.microsoft.com/office/drawing/2010/main" val="0"/>
-              </a:ext>
-            </a:extLst>
-          </a:blip>
-          <a:stretch>
-            <a:fillRect/>
-          </a:stretch>
-        </p:blipFill>
-        <p:spPr>
-          <a:xfrm>
-            <a:off x="2865137" y="3436211"/>
-            <a:ext cx="2539999" cy="1269999"/>
-          </a:xfrm>
-          <a:prstGeom prst="rect">
-            <a:avLst/>
-          </a:prstGeom>
-        </p:spPr>
-      </p:pic>
-      <p:pic>
-        <p:nvPicPr>
-          <p:cNvPr id="1040" name="Picture 16" descr="Kemtai in The Next Web] Adventures with AI: Can computer vision and GPT-3  get me fit? - OurCrowd Blog">
-            <a:extLst>
-              <a:ext uri="{FF2B5EF4-FFF2-40B4-BE49-F238E27FC236}">
-                <a16:creationId xmlns:a16="http://schemas.microsoft.com/office/drawing/2014/main" id="{AD4667DA-38D2-4807-BECC-71E236D0D49E}"/>
-              </a:ext>
-            </a:extLst>
-          </p:cNvPr>
-          <p:cNvPicPr>
-            <a:picLocks noChangeAspect="1" noChangeArrowheads="1"/>
-          </p:cNvPicPr>
-          <p:nvPr/>
-        </p:nvPicPr>
-        <p:blipFill>
-          <a:blip r:embed="rId10">
-            <a:extLst>
-              <a:ext uri="{28A0092B-C50C-407E-A947-70E740481C1C}">
-                <a14:useLocalDpi xmlns:a14="http://schemas.microsoft.com/office/drawing/2010/main" val="0"/>
-              </a:ext>
-            </a:extLst>
-          </a:blip>
-          <a:srcRect/>
-          <a:stretch>
-            <a:fillRect/>
-          </a:stretch>
-        </p:blipFill>
-        <p:spPr bwMode="auto">
-          <a:xfrm>
-            <a:off x="5688896" y="3436209"/>
-            <a:ext cx="2358575" cy="1270002"/>
-          </a:xfrm>
-          <a:prstGeom prst="rect">
-            <a:avLst/>
-          </a:prstGeom>
-          <a:noFill/>
-          <a:extLst>
-            <a:ext uri="{909E8E84-426E-40DD-AFC4-6F175D3DCCD1}">
-              <a14:hiddenFill xmlns:a14="http://schemas.microsoft.com/office/drawing/2010/main">
-                <a:solidFill>
-                  <a:srgbClr val="FFFFFF"/>
-                </a:solidFill>
-              </a14:hiddenFill>
-            </a:ext>
-          </a:extLst>
-        </p:spPr>
-      </p:pic>
-      <p:pic>
-        <p:nvPicPr>
-          <p:cNvPr id="25" name="Picture 24">
-            <a:extLst>
-              <a:ext uri="{FF2B5EF4-FFF2-40B4-BE49-F238E27FC236}">
-                <a16:creationId xmlns:a16="http://schemas.microsoft.com/office/drawing/2014/main" id="{572B9BC0-5490-4A81-80E5-AFA496C8E881}"/>
-              </a:ext>
-            </a:extLst>
-          </p:cNvPr>
-          <p:cNvPicPr>
-            <a:picLocks noChangeAspect="1"/>
-          </p:cNvPicPr>
-          <p:nvPr/>
-        </p:nvPicPr>
-        <p:blipFill>
-          <a:blip r:embed="rId11"/>
-          <a:stretch>
-            <a:fillRect/>
-          </a:stretch>
-        </p:blipFill>
-        <p:spPr>
-          <a:xfrm>
-            <a:off x="127113" y="4861228"/>
-            <a:ext cx="2540612" cy="1270003"/>
-          </a:xfrm>
-          <a:prstGeom prst="rect">
-            <a:avLst/>
-          </a:prstGeom>
-        </p:spPr>
-      </p:pic>
-      <p:pic>
-        <p:nvPicPr>
-          <p:cNvPr id="1044" name="Picture 20" descr="Tech Xplore - Apps on Google Play">
-            <a:extLst>
-              <a:ext uri="{FF2B5EF4-FFF2-40B4-BE49-F238E27FC236}">
-                <a16:creationId xmlns:a16="http://schemas.microsoft.com/office/drawing/2014/main" id="{3EFBBEAF-5800-487D-AB89-075326E8A478}"/>
-              </a:ext>
-            </a:extLst>
-          </p:cNvPr>
-          <p:cNvPicPr>
-            <a:picLocks noChangeAspect="1" noChangeArrowheads="1"/>
-          </p:cNvPicPr>
-          <p:nvPr/>
-        </p:nvPicPr>
-        <p:blipFill>
-          <a:blip r:embed="rId12">
-            <a:extLst>
-              <a:ext uri="{28A0092B-C50C-407E-A947-70E740481C1C}">
-                <a14:useLocalDpi xmlns:a14="http://schemas.microsoft.com/office/drawing/2010/main" val="0"/>
-              </a:ext>
-            </a:extLst>
-          </a:blip>
-          <a:srcRect/>
-          <a:stretch>
-            <a:fillRect/>
-          </a:stretch>
-        </p:blipFill>
-        <p:spPr bwMode="auto">
-          <a:xfrm>
-            <a:off x="2834897" y="4862887"/>
-            <a:ext cx="2597569" cy="1268344"/>
-          </a:xfrm>
-          <a:prstGeom prst="rect">
-            <a:avLst/>
-          </a:prstGeom>
-          <a:noFill/>
-          <a:extLst>
-            <a:ext uri="{909E8E84-426E-40DD-AFC4-6F175D3DCCD1}">
-              <a14:hiddenFill xmlns:a14="http://schemas.microsoft.com/office/drawing/2010/main">
-                <a:solidFill>
-                  <a:srgbClr val="FFFFFF"/>
-                </a:solidFill>
-              </a14:hiddenFill>
-            </a:ext>
-          </a:extLst>
-        </p:spPr>
-      </p:pic>
-      <p:pic>
-        <p:nvPicPr>
-          <p:cNvPr id="27" name="Picture 26">
-            <a:extLst>
-              <a:ext uri="{FF2B5EF4-FFF2-40B4-BE49-F238E27FC236}">
-                <a16:creationId xmlns:a16="http://schemas.microsoft.com/office/drawing/2014/main" id="{223BE78D-B311-4593-ADDB-178E61FF2714}"/>
-              </a:ext>
-            </a:extLst>
-          </p:cNvPr>
-          <p:cNvPicPr>
-            <a:picLocks noChangeAspect="1"/>
-          </p:cNvPicPr>
-          <p:nvPr/>
-        </p:nvPicPr>
-        <p:blipFill>
-          <a:blip r:embed="rId13"/>
-          <a:stretch>
-            <a:fillRect/>
-          </a:stretch>
-        </p:blipFill>
-        <p:spPr>
-          <a:xfrm>
-            <a:off x="5688896" y="4861229"/>
-            <a:ext cx="2597569" cy="1268344"/>
-          </a:xfrm>
-          <a:prstGeom prst="rect">
-            <a:avLst/>
-          </a:prstGeom>
-        </p:spPr>
-      </p:pic>
-    </p:spTree>
-    <p:extLst>
-      <p:ext uri="{BB962C8B-B14F-4D97-AF65-F5344CB8AC3E}">
-        <p14:creationId xmlns:p14="http://schemas.microsoft.com/office/powerpoint/2010/main" val="432246284"/>
-      </p:ext>
-    </p:extLst>
-  </p:cSld>
-  <p:clrMapOvr>
-    <a:masterClrMapping/>
-  </p:clrMapOvr>
-</p:sld>
-</file>
-
-<file path=ppt/slides/slide2.xml><?xml version="1.0" encoding="utf-8"?>
-<p:sld xmlns:a="http://schemas.openxmlformats.org/drawingml/2006/main" xmlns:r="http://schemas.openxmlformats.org/officeDocument/2006/relationships" xmlns:p="http://schemas.openxmlformats.org/presentationml/2006/main">
-  <p:cSld>
-    <p:spTree>
-      <p:nvGrpSpPr>
-        <p:cNvPr id="1" name=""/>
-        <p:cNvGrpSpPr/>
-        <p:nvPr/>
-      </p:nvGrpSpPr>
-      <p:grpSpPr>
-        <a:xfrm>
-          <a:off x="0" y="0"/>
-          <a:ext cx="0" cy="0"/>
-          <a:chOff x="0" y="0"/>
-          <a:chExt cx="0" cy="0"/>
-        </a:xfrm>
-      </p:grpSpPr>
-      <p:pic>
-        <p:nvPicPr>
-          <p:cNvPr id="5" name="Picture 4" descr="A red background with white text&#10;&#10;Description automatically generated with medium confidence">
-            <a:extLst>
-              <a:ext uri="{FF2B5EF4-FFF2-40B4-BE49-F238E27FC236}">
-                <a16:creationId xmlns:a16="http://schemas.microsoft.com/office/drawing/2014/main" id="{4F5AA4A5-2410-4190-A005-ECC9A3D4DD15}"/>
-              </a:ext>
-            </a:extLst>
-          </p:cNvPr>
-          <p:cNvPicPr>
-            <a:picLocks noChangeAspect="1"/>
-          </p:cNvPicPr>
-          <p:nvPr/>
-        </p:nvPicPr>
-        <p:blipFill>
           <a:blip r:embed="rId3">
             <a:extLst>
               <a:ext uri="{28A0092B-C50C-407E-A947-70E740481C1C}">
@@ -4754,7 +4250,7 @@
 </p:sld>
 </file>
 
-<file path=ppt/slides/slide3.xml><?xml version="1.0" encoding="utf-8"?>
+<file path=ppt/slides/slide2.xml><?xml version="1.0" encoding="utf-8"?>
 <p:sld xmlns:a="http://schemas.openxmlformats.org/drawingml/2006/main" xmlns:r="http://schemas.openxmlformats.org/officeDocument/2006/relationships" xmlns:p="http://schemas.openxmlformats.org/presentationml/2006/main">
   <p:cSld>
     <p:spTree>

--- a/zzx_gallery/highlight/New Microsoft PowerPoint Presentation.pptx
+++ b/zzx_gallery/highlight/New Microsoft PowerPoint Presentation.pptx
@@ -5,11 +5,12 @@
     <p:sldMasterId id="2147483648" r:id="rId1"/>
   </p:sldMasterIdLst>
   <p:notesMasterIdLst>
-    <p:notesMasterId r:id="rId4"/>
+    <p:notesMasterId r:id="rId5"/>
   </p:notesMasterIdLst>
   <p:sldIdLst>
     <p:sldId id="258" r:id="rId2"/>
-    <p:sldId id="257" r:id="rId3"/>
+    <p:sldId id="259" r:id="rId3"/>
+    <p:sldId id="257" r:id="rId4"/>
   </p:sldIdLst>
   <p:sldSz cx="12192000" cy="6858000"/>
   <p:notesSz cx="6858000" cy="9144000"/>
@@ -198,7 +199,7 @@
           <a:p>
             <a:fld id="{94F1626B-AC47-4037-AB77-688A7E9B8865}" type="datetimeFigureOut">
               <a:rPr lang="zh-CN" altLang="en-US" smtClean="0"/>
-              <a:t>2022/2/5</a:t>
+              <a:t>2022/3/4</a:t>
             </a:fld>
             <a:endParaRPr lang="zh-CN" altLang="en-US"/>
           </a:p>
@@ -550,6 +551,90 @@
 </p:notes>
 </file>
 
+<file path=ppt/notesSlides/notesSlide2.xml><?xml version="1.0" encoding="utf-8"?>
+<p:notes xmlns:a="http://schemas.openxmlformats.org/drawingml/2006/main" xmlns:r="http://schemas.openxmlformats.org/officeDocument/2006/relationships" xmlns:p="http://schemas.openxmlformats.org/presentationml/2006/main">
+  <p:cSld>
+    <p:spTree>
+      <p:nvGrpSpPr>
+        <p:cNvPr id="1" name=""/>
+        <p:cNvGrpSpPr/>
+        <p:nvPr/>
+      </p:nvGrpSpPr>
+      <p:grpSpPr>
+        <a:xfrm>
+          <a:off x="0" y="0"/>
+          <a:ext cx="0" cy="0"/>
+          <a:chOff x="0" y="0"/>
+          <a:chExt cx="0" cy="0"/>
+        </a:xfrm>
+      </p:grpSpPr>
+      <p:sp>
+        <p:nvSpPr>
+          <p:cNvPr id="2" name="Slide Image Placeholder 1"/>
+          <p:cNvSpPr>
+            <a:spLocks noGrp="1" noRot="1" noChangeAspect="1"/>
+          </p:cNvSpPr>
+          <p:nvPr>
+            <p:ph type="sldImg"/>
+          </p:nvPr>
+        </p:nvSpPr>
+        <p:spPr/>
+      </p:sp>
+      <p:sp>
+        <p:nvSpPr>
+          <p:cNvPr id="3" name="Notes Placeholder 2"/>
+          <p:cNvSpPr>
+            <a:spLocks noGrp="1"/>
+          </p:cNvSpPr>
+          <p:nvPr>
+            <p:ph type="body" idx="1"/>
+          </p:nvPr>
+        </p:nvSpPr>
+        <p:spPr/>
+        <p:txBody>
+          <a:bodyPr/>
+          <a:lstStyle/>
+          <a:p>
+            <a:endParaRPr lang="zh-CN" altLang="en-US"/>
+          </a:p>
+        </p:txBody>
+      </p:sp>
+      <p:sp>
+        <p:nvSpPr>
+          <p:cNvPr id="4" name="Slide Number Placeholder 3"/>
+          <p:cNvSpPr>
+            <a:spLocks noGrp="1"/>
+          </p:cNvSpPr>
+          <p:nvPr>
+            <p:ph type="sldNum" sz="quarter" idx="5"/>
+          </p:nvPr>
+        </p:nvSpPr>
+        <p:spPr/>
+        <p:txBody>
+          <a:bodyPr/>
+          <a:lstStyle/>
+          <a:p>
+            <a:fld id="{6C1F838D-CE99-4449-AE12-DF82C111171E}" type="slidenum">
+              <a:rPr lang="zh-CN" altLang="en-US" smtClean="0"/>
+              <a:t>2</a:t>
+            </a:fld>
+            <a:endParaRPr lang="zh-CN" altLang="en-US"/>
+          </a:p>
+        </p:txBody>
+      </p:sp>
+    </p:spTree>
+    <p:extLst>
+      <p:ext uri="{BB962C8B-B14F-4D97-AF65-F5344CB8AC3E}">
+        <p14:creationId xmlns:p14="http://schemas.microsoft.com/office/powerpoint/2010/main" val="3419882801"/>
+      </p:ext>
+    </p:extLst>
+  </p:cSld>
+  <p:clrMapOvr>
+    <a:masterClrMapping/>
+  </p:clrMapOvr>
+</p:notes>
+</file>
+
 <file path=ppt/slideLayouts/slideLayout1.xml><?xml version="1.0" encoding="utf-8"?>
 <p:sldLayout xmlns:a="http://schemas.openxmlformats.org/drawingml/2006/main" xmlns:r="http://schemas.openxmlformats.org/officeDocument/2006/relationships" xmlns:p="http://schemas.openxmlformats.org/presentationml/2006/main" type="title" preserve="1">
   <p:cSld name="Title Slide">
@@ -697,7 +782,7 @@
           <a:p>
             <a:fld id="{841BF3FB-071E-4A67-A8E5-61F07039253F}" type="datetimeFigureOut">
               <a:rPr lang="en-US" smtClean="0"/>
-              <a:t>2/5/2022</a:t>
+              <a:t>3/4/2022</a:t>
             </a:fld>
             <a:endParaRPr lang="en-US"/>
           </a:p>
@@ -895,7 +980,7 @@
           <a:p>
             <a:fld id="{841BF3FB-071E-4A67-A8E5-61F07039253F}" type="datetimeFigureOut">
               <a:rPr lang="en-US" smtClean="0"/>
-              <a:t>2/5/2022</a:t>
+              <a:t>3/4/2022</a:t>
             </a:fld>
             <a:endParaRPr lang="en-US"/>
           </a:p>
@@ -1103,7 +1188,7 @@
           <a:p>
             <a:fld id="{841BF3FB-071E-4A67-A8E5-61F07039253F}" type="datetimeFigureOut">
               <a:rPr lang="en-US" smtClean="0"/>
-              <a:t>2/5/2022</a:t>
+              <a:t>3/4/2022</a:t>
             </a:fld>
             <a:endParaRPr lang="en-US"/>
           </a:p>
@@ -1301,7 +1386,7 @@
           <a:p>
             <a:fld id="{841BF3FB-071E-4A67-A8E5-61F07039253F}" type="datetimeFigureOut">
               <a:rPr lang="en-US" smtClean="0"/>
-              <a:t>2/5/2022</a:t>
+              <a:t>3/4/2022</a:t>
             </a:fld>
             <a:endParaRPr lang="en-US"/>
           </a:p>
@@ -1576,7 +1661,7 @@
           <a:p>
             <a:fld id="{841BF3FB-071E-4A67-A8E5-61F07039253F}" type="datetimeFigureOut">
               <a:rPr lang="en-US" smtClean="0"/>
-              <a:t>2/5/2022</a:t>
+              <a:t>3/4/2022</a:t>
             </a:fld>
             <a:endParaRPr lang="en-US"/>
           </a:p>
@@ -1841,7 +1926,7 @@
           <a:p>
             <a:fld id="{841BF3FB-071E-4A67-A8E5-61F07039253F}" type="datetimeFigureOut">
               <a:rPr lang="en-US" smtClean="0"/>
-              <a:t>2/5/2022</a:t>
+              <a:t>3/4/2022</a:t>
             </a:fld>
             <a:endParaRPr lang="en-US"/>
           </a:p>
@@ -2253,7 +2338,7 @@
           <a:p>
             <a:fld id="{841BF3FB-071E-4A67-A8E5-61F07039253F}" type="datetimeFigureOut">
               <a:rPr lang="en-US" smtClean="0"/>
-              <a:t>2/5/2022</a:t>
+              <a:t>3/4/2022</a:t>
             </a:fld>
             <a:endParaRPr lang="en-US"/>
           </a:p>
@@ -2394,7 +2479,7 @@
           <a:p>
             <a:fld id="{841BF3FB-071E-4A67-A8E5-61F07039253F}" type="datetimeFigureOut">
               <a:rPr lang="en-US" smtClean="0"/>
-              <a:t>2/5/2022</a:t>
+              <a:t>3/4/2022</a:t>
             </a:fld>
             <a:endParaRPr lang="en-US"/>
           </a:p>
@@ -2507,7 +2592,7 @@
           <a:p>
             <a:fld id="{841BF3FB-071E-4A67-A8E5-61F07039253F}" type="datetimeFigureOut">
               <a:rPr lang="en-US" smtClean="0"/>
-              <a:t>2/5/2022</a:t>
+              <a:t>3/4/2022</a:t>
             </a:fld>
             <a:endParaRPr lang="en-US"/>
           </a:p>
@@ -2818,7 +2903,7 @@
           <a:p>
             <a:fld id="{841BF3FB-071E-4A67-A8E5-61F07039253F}" type="datetimeFigureOut">
               <a:rPr lang="en-US" smtClean="0"/>
-              <a:t>2/5/2022</a:t>
+              <a:t>3/4/2022</a:t>
             </a:fld>
             <a:endParaRPr lang="en-US"/>
           </a:p>
@@ -3106,7 +3191,7 @@
           <a:p>
             <a:fld id="{841BF3FB-071E-4A67-A8E5-61F07039253F}" type="datetimeFigureOut">
               <a:rPr lang="en-US" smtClean="0"/>
-              <a:t>2/5/2022</a:t>
+              <a:t>3/4/2022</a:t>
             </a:fld>
             <a:endParaRPr lang="en-US"/>
           </a:p>
@@ -3347,7 +3432,7 @@
           <a:p>
             <a:fld id="{841BF3FB-071E-4A67-A8E5-61F07039253F}" type="datetimeFigureOut">
               <a:rPr lang="en-US" smtClean="0"/>
-              <a:t>2/5/2022</a:t>
+              <a:t>3/4/2022</a:t>
             </a:fld>
             <a:endParaRPr lang="en-US"/>
           </a:p>
@@ -3833,82 +3918,6 @@
       </p:pic>
       <p:pic>
         <p:nvPicPr>
-          <p:cNvPr id="19" name="Picture 18">
-            <a:extLst>
-              <a:ext uri="{FF2B5EF4-FFF2-40B4-BE49-F238E27FC236}">
-                <a16:creationId xmlns:a16="http://schemas.microsoft.com/office/drawing/2014/main" id="{557C7F62-BBEC-4743-AF84-68C177540E27}"/>
-              </a:ext>
-            </a:extLst>
-          </p:cNvPr>
-          <p:cNvPicPr>
-            <a:picLocks noChangeAspect="1"/>
-          </p:cNvPicPr>
-          <p:nvPr/>
-        </p:nvPicPr>
-        <p:blipFill rotWithShape="1">
-          <a:blip r:embed="rId5"/>
-          <a:srcRect t="6776" b="11480"/>
-          <a:stretch/>
-        </p:blipFill>
-        <p:spPr>
-          <a:xfrm>
-            <a:off x="129792" y="1516791"/>
-            <a:ext cx="2540612" cy="1269999"/>
-          </a:xfrm>
-          <a:prstGeom prst="rect">
-            <a:avLst/>
-          </a:prstGeom>
-          <a:effectLst/>
-        </p:spPr>
-      </p:pic>
-      <p:pic>
-        <p:nvPicPr>
-          <p:cNvPr id="1028" name="Picture 4" descr="Runway Blog">
-            <a:extLst>
-              <a:ext uri="{FF2B5EF4-FFF2-40B4-BE49-F238E27FC236}">
-                <a16:creationId xmlns:a16="http://schemas.microsoft.com/office/drawing/2014/main" id="{1250578D-9860-4AA2-82DE-1922597EA7CB}"/>
-              </a:ext>
-            </a:extLst>
-          </p:cNvPr>
-          <p:cNvPicPr>
-            <a:picLocks noChangeAspect="1" noChangeArrowheads="1"/>
-          </p:cNvPicPr>
-          <p:nvPr/>
-        </p:nvPicPr>
-        <p:blipFill rotWithShape="1">
-          <a:blip r:embed="rId6">
-            <a:extLst>
-              <a:ext uri="{28A0092B-C50C-407E-A947-70E740481C1C}">
-                <a14:useLocalDpi xmlns:a14="http://schemas.microsoft.com/office/drawing/2010/main" val="0"/>
-              </a:ext>
-            </a:extLst>
-          </a:blip>
-          <a:srcRect l="11313" t="14835" r="11527" b="14835"/>
-          <a:stretch/>
-        </p:blipFill>
-        <p:spPr bwMode="auto">
-          <a:xfrm>
-            <a:off x="5599638" y="93429"/>
-            <a:ext cx="2540000" cy="1270001"/>
-          </a:xfrm>
-          <a:prstGeom prst="rect">
-            <a:avLst/>
-          </a:prstGeom>
-          <a:noFill/>
-          <a:effectLst/>
-          <a:extLst>
-            <a:ext uri="{909E8E84-426E-40DD-AFC4-6F175D3DCCD1}">
-              <a14:hiddenFill xmlns:a14="http://schemas.microsoft.com/office/drawing/2010/main">
-                <a:solidFill>
-                  <a:srgbClr val="FFFFFF"/>
-                </a:solidFill>
-              </a14:hiddenFill>
-            </a:ext>
-          </a:extLst>
-        </p:spPr>
-      </p:pic>
-      <p:pic>
-        <p:nvPicPr>
           <p:cNvPr id="1030" name="Picture 6" descr="GitHub - PaddlePaddle/PaddleHub: Awesome pre-trained models toolkit based  on PaddlePaddle.(300+ models including Image, Text, Audio and Video with  Easy Inference &amp;amp; Serving deployment)">
             <a:extLst>
               <a:ext uri="{FF2B5EF4-FFF2-40B4-BE49-F238E27FC236}">
@@ -3922,7 +3931,7 @@
           <p:nvPr/>
         </p:nvPicPr>
         <p:blipFill>
-          <a:blip r:embed="rId7">
+          <a:blip r:embed="rId5">
             <a:extLst>
               <a:ext uri="{28A0092B-C50C-407E-A947-70E740481C1C}">
                 <a14:useLocalDpi xmlns:a14="http://schemas.microsoft.com/office/drawing/2010/main" val="0"/>
@@ -3970,7 +3979,7 @@
           <p:nvPr/>
         </p:nvPicPr>
         <p:blipFill>
-          <a:blip r:embed="rId8">
+          <a:blip r:embed="rId6">
             <a:extLst>
               <a:ext uri="{28A0092B-C50C-407E-A947-70E740481C1C}">
                 <a14:useLocalDpi xmlns:a14="http://schemas.microsoft.com/office/drawing/2010/main" val="0"/>
@@ -4017,7 +4026,7 @@
           <p:nvPr/>
         </p:nvPicPr>
         <p:blipFill>
-          <a:blip r:embed="rId9">
+          <a:blip r:embed="rId7">
             <a:extLst>
               <a:ext uri="{28A0092B-C50C-407E-A947-70E740481C1C}">
                 <a14:useLocalDpi xmlns:a14="http://schemas.microsoft.com/office/drawing/2010/main" val="0"/>
@@ -4030,7 +4039,7 @@
         </p:blipFill>
         <p:spPr>
           <a:xfrm>
-            <a:off x="2865137" y="3436211"/>
+            <a:off x="5717680" y="3436211"/>
             <a:ext cx="2539999" cy="1269999"/>
           </a:xfrm>
           <a:prstGeom prst="rect">
@@ -4053,7 +4062,7 @@
           <p:nvPr/>
         </p:nvPicPr>
         <p:blipFill>
-          <a:blip r:embed="rId10">
+          <a:blip r:embed="rId8">
             <a:extLst>
               <a:ext uri="{28A0092B-C50C-407E-A947-70E740481C1C}">
                 <a14:useLocalDpi xmlns:a14="http://schemas.microsoft.com/office/drawing/2010/main" val="0"/>
@@ -4067,7 +4076,7 @@
         </p:blipFill>
         <p:spPr bwMode="auto">
           <a:xfrm>
-            <a:off x="5688896" y="3436209"/>
+            <a:off x="2955848" y="4859571"/>
             <a:ext cx="2358575" cy="1270002"/>
           </a:xfrm>
           <a:prstGeom prst="rect">
@@ -4100,14 +4109,14 @@
           <p:nvPr/>
         </p:nvPicPr>
         <p:blipFill>
-          <a:blip r:embed="rId11"/>
+          <a:blip r:embed="rId9"/>
           <a:stretch>
             <a:fillRect/>
           </a:stretch>
         </p:blipFill>
         <p:spPr>
           <a:xfrm>
-            <a:off x="127113" y="4861228"/>
+            <a:off x="129792" y="4861229"/>
             <a:ext cx="2540612" cy="1270003"/>
           </a:xfrm>
           <a:prstGeom prst="rect">
@@ -4117,10 +4126,40 @@
       </p:pic>
       <p:pic>
         <p:nvPicPr>
-          <p:cNvPr id="1044" name="Picture 20" descr="Tech Xplore - Apps on Google Play">
-            <a:extLst>
-              <a:ext uri="{FF2B5EF4-FFF2-40B4-BE49-F238E27FC236}">
-                <a16:creationId xmlns:a16="http://schemas.microsoft.com/office/drawing/2014/main" id="{3EFBBEAF-5800-487D-AB89-075326E8A478}"/>
+          <p:cNvPr id="27" name="Picture 26">
+            <a:extLst>
+              <a:ext uri="{FF2B5EF4-FFF2-40B4-BE49-F238E27FC236}">
+                <a16:creationId xmlns:a16="http://schemas.microsoft.com/office/drawing/2014/main" id="{223BE78D-B311-4593-ADDB-178E61FF2714}"/>
+              </a:ext>
+            </a:extLst>
+          </p:cNvPr>
+          <p:cNvPicPr>
+            <a:picLocks noChangeAspect="1"/>
+          </p:cNvPicPr>
+          <p:nvPr/>
+        </p:nvPicPr>
+        <p:blipFill>
+          <a:blip r:embed="rId10"/>
+          <a:stretch>
+            <a:fillRect/>
+          </a:stretch>
+        </p:blipFill>
+        <p:spPr>
+          <a:xfrm>
+            <a:off x="5688896" y="4861229"/>
+            <a:ext cx="2597569" cy="1268344"/>
+          </a:xfrm>
+          <a:prstGeom prst="rect">
+            <a:avLst/>
+          </a:prstGeom>
+        </p:spPr>
+      </p:pic>
+      <p:pic>
+        <p:nvPicPr>
+          <p:cNvPr id="1026" name="Picture 2" descr="中央電視台| 央视春晚维基| Fandom">
+            <a:extLst>
+              <a:ext uri="{FF2B5EF4-FFF2-40B4-BE49-F238E27FC236}">
+                <a16:creationId xmlns:a16="http://schemas.microsoft.com/office/drawing/2014/main" id="{6C8D4B68-A507-436B-8EFD-2B6C02FE6E07}"/>
               </a:ext>
             </a:extLst>
           </p:cNvPr>
@@ -4129,23 +4168,21 @@
           </p:cNvPicPr>
           <p:nvPr/>
         </p:nvPicPr>
-        <p:blipFill>
-          <a:blip r:embed="rId12">
+        <p:blipFill rotWithShape="1">
+          <a:blip r:embed="rId11">
             <a:extLst>
               <a:ext uri="{28A0092B-C50C-407E-A947-70E740481C1C}">
                 <a14:useLocalDpi xmlns:a14="http://schemas.microsoft.com/office/drawing/2010/main" val="0"/>
               </a:ext>
             </a:extLst>
           </a:blip>
-          <a:srcRect/>
-          <a:stretch>
-            <a:fillRect/>
-          </a:stretch>
+          <a:srcRect t="5668" b="6167"/>
+          <a:stretch/>
         </p:blipFill>
         <p:spPr bwMode="auto">
           <a:xfrm>
-            <a:off x="2834897" y="4862887"/>
-            <a:ext cx="2597569" cy="1268344"/>
+            <a:off x="2955849" y="3429000"/>
+            <a:ext cx="2358575" cy="1277210"/>
           </a:xfrm>
           <a:prstGeom prst="rect">
             <a:avLst/>
@@ -4164,10 +4201,10 @@
       </p:pic>
       <p:pic>
         <p:nvPicPr>
-          <p:cNvPr id="27" name="Picture 26">
-            <a:extLst>
-              <a:ext uri="{FF2B5EF4-FFF2-40B4-BE49-F238E27FC236}">
-                <a16:creationId xmlns:a16="http://schemas.microsoft.com/office/drawing/2014/main" id="{223BE78D-B311-4593-ADDB-178E61FF2714}"/>
+          <p:cNvPr id="14" name="Picture 13" descr="A blue and white logo&#10;&#10;Description automatically generated with low confidence">
+            <a:extLst>
+              <a:ext uri="{FF2B5EF4-FFF2-40B4-BE49-F238E27FC236}">
+                <a16:creationId xmlns:a16="http://schemas.microsoft.com/office/drawing/2014/main" id="{A041C540-D759-452D-BEB2-37415B0EAC07}"/>
               </a:ext>
             </a:extLst>
           </p:cNvPr>
@@ -4177,15 +4214,21 @@
           <p:nvPr/>
         </p:nvPicPr>
         <p:blipFill>
-          <a:blip r:embed="rId13"/>
+          <a:blip r:embed="rId12">
+            <a:extLst>
+              <a:ext uri="{28A0092B-C50C-407E-A947-70E740481C1C}">
+                <a14:useLocalDpi xmlns:a14="http://schemas.microsoft.com/office/drawing/2010/main" val="0"/>
+              </a:ext>
+            </a:extLst>
+          </a:blip>
           <a:stretch>
             <a:fillRect/>
           </a:stretch>
         </p:blipFill>
         <p:spPr>
           <a:xfrm>
-            <a:off x="5688896" y="4861229"/>
-            <a:ext cx="2597569" cy="1268344"/>
+            <a:off x="304230" y="3707674"/>
+            <a:ext cx="2185766" cy="727074"/>
           </a:xfrm>
           <a:prstGeom prst="rect">
             <a:avLst/>
@@ -4194,10 +4237,10 @@
       </p:pic>
       <p:pic>
         <p:nvPicPr>
-          <p:cNvPr id="1026" name="Picture 2" descr="中央電視台| 央视春晚维基| Fandom">
-            <a:extLst>
-              <a:ext uri="{FF2B5EF4-FFF2-40B4-BE49-F238E27FC236}">
-                <a16:creationId xmlns:a16="http://schemas.microsoft.com/office/drawing/2014/main" id="{6C8D4B68-A507-436B-8EFD-2B6C02FE6E07}"/>
+          <p:cNvPr id="16" name="Picture 4" descr="Home - Mcity">
+            <a:extLst>
+              <a:ext uri="{FF2B5EF4-FFF2-40B4-BE49-F238E27FC236}">
+                <a16:creationId xmlns:a16="http://schemas.microsoft.com/office/drawing/2014/main" id="{CA876C4F-C448-4A12-8FDA-0809CE554A84}"/>
               </a:ext>
             </a:extLst>
           </p:cNvPr>
@@ -4207,20 +4250,67 @@
           <p:nvPr/>
         </p:nvPicPr>
         <p:blipFill rotWithShape="1">
-          <a:blip r:embed="rId14">
+          <a:blip r:embed="rId13">
             <a:extLst>
               <a:ext uri="{28A0092B-C50C-407E-A947-70E740481C1C}">
                 <a14:useLocalDpi xmlns:a14="http://schemas.microsoft.com/office/drawing/2010/main" val="0"/>
               </a:ext>
             </a:extLst>
           </a:blip>
-          <a:srcRect t="5668" b="6167"/>
+          <a:srcRect t="13283" b="13283"/>
           <a:stretch/>
         </p:blipFill>
         <p:spPr bwMode="auto">
           <a:xfrm>
-            <a:off x="218131" y="3429000"/>
-            <a:ext cx="2358575" cy="1277210"/>
+            <a:off x="5599638" y="94255"/>
+            <a:ext cx="2539999" cy="1268344"/>
+          </a:xfrm>
+          <a:prstGeom prst="rect">
+            <a:avLst/>
+          </a:prstGeom>
+          <a:noFill/>
+          <a:extLst>
+            <a:ext uri="{909E8E84-426E-40DD-AFC4-6F175D3DCCD1}">
+              <a14:hiddenFill xmlns:a14="http://schemas.microsoft.com/office/drawing/2010/main">
+                <a:solidFill>
+                  <a:srgbClr val="FFFFFF"/>
+                </a:solidFill>
+              </a14:hiddenFill>
+            </a:ext>
+          </a:extLst>
+        </p:spPr>
+      </p:pic>
+      <p:pic>
+        <p:nvPicPr>
+          <p:cNvPr id="17" name="Picture 4" descr="NetEase Games Trojan Talk: Oct. 31 - USC Viterbi | Career Services">
+            <a:extLst>
+              <a:ext uri="{FF2B5EF4-FFF2-40B4-BE49-F238E27FC236}">
+                <a16:creationId xmlns:a16="http://schemas.microsoft.com/office/drawing/2014/main" id="{BC1077C5-0C0D-4A6B-AA90-7CE1B701CBE2}"/>
+              </a:ext>
+            </a:extLst>
+          </p:cNvPr>
+          <p:cNvPicPr>
+            <a:picLocks noChangeAspect="1" noChangeArrowheads="1"/>
+          </p:cNvPicPr>
+          <p:nvPr/>
+        </p:nvPicPr>
+        <p:blipFill>
+          <a:blip r:embed="rId14">
+            <a:extLst>
+              <a:ext uri="{28A0092B-C50C-407E-A947-70E740481C1C}">
+                <a14:useLocalDpi xmlns:a14="http://schemas.microsoft.com/office/drawing/2010/main" val="0"/>
+              </a:ext>
+            </a:extLst>
+          </a:blip>
+          <a:srcRect/>
+          <a:stretch>
+            <a:fillRect/>
+          </a:stretch>
+        </p:blipFill>
+        <p:spPr bwMode="auto">
+          <a:xfrm>
+            <a:off x="337186" y="1788249"/>
+            <a:ext cx="2119853" cy="796937"/>
           </a:xfrm>
           <a:prstGeom prst="rect">
             <a:avLst/>
@@ -4251,6 +4341,509 @@
 </file>
 
 <file path=ppt/slides/slide2.xml><?xml version="1.0" encoding="utf-8"?>
+<p:sld xmlns:a="http://schemas.openxmlformats.org/drawingml/2006/main" xmlns:r="http://schemas.openxmlformats.org/officeDocument/2006/relationships" xmlns:p="http://schemas.openxmlformats.org/presentationml/2006/main">
+  <p:cSld>
+    <p:spTree>
+      <p:nvGrpSpPr>
+        <p:cNvPr id="1" name=""/>
+        <p:cNvGrpSpPr/>
+        <p:nvPr/>
+      </p:nvGrpSpPr>
+      <p:grpSpPr>
+        <a:xfrm>
+          <a:off x="0" y="0"/>
+          <a:ext cx="0" cy="0"/>
+          <a:chOff x="0" y="0"/>
+          <a:chExt cx="0" cy="0"/>
+        </a:xfrm>
+      </p:grpSpPr>
+      <p:pic>
+        <p:nvPicPr>
+          <p:cNvPr id="5" name="Picture 4" descr="A red background with white text&#10;&#10;Description automatically generated with medium confidence">
+            <a:extLst>
+              <a:ext uri="{FF2B5EF4-FFF2-40B4-BE49-F238E27FC236}">
+                <a16:creationId xmlns:a16="http://schemas.microsoft.com/office/drawing/2014/main" id="{4F5AA4A5-2410-4190-A005-ECC9A3D4DD15}"/>
+              </a:ext>
+            </a:extLst>
+          </p:cNvPr>
+          <p:cNvPicPr>
+            <a:picLocks noChangeAspect="1"/>
+          </p:cNvPicPr>
+          <p:nvPr/>
+        </p:nvPicPr>
+        <p:blipFill>
+          <a:blip r:embed="rId3">
+            <a:extLst>
+              <a:ext uri="{28A0092B-C50C-407E-A947-70E740481C1C}">
+                <a14:useLocalDpi xmlns:a14="http://schemas.microsoft.com/office/drawing/2010/main" val="0"/>
+              </a:ext>
+            </a:extLst>
+          </a:blip>
+          <a:stretch>
+            <a:fillRect/>
+          </a:stretch>
+        </p:blipFill>
+        <p:spPr>
+          <a:xfrm>
+            <a:off x="130404" y="93431"/>
+            <a:ext cx="2540000" cy="1270000"/>
+          </a:xfrm>
+          <a:prstGeom prst="rect">
+            <a:avLst/>
+          </a:prstGeom>
+          <a:effectLst/>
+        </p:spPr>
+      </p:pic>
+      <p:pic>
+        <p:nvPicPr>
+          <p:cNvPr id="18" name="Picture 17">
+            <a:extLst>
+              <a:ext uri="{FF2B5EF4-FFF2-40B4-BE49-F238E27FC236}">
+                <a16:creationId xmlns:a16="http://schemas.microsoft.com/office/drawing/2014/main" id="{950F88D9-B56E-4B89-BE68-9C4F38A4073B}"/>
+              </a:ext>
+            </a:extLst>
+          </p:cNvPr>
+          <p:cNvPicPr>
+            <a:picLocks noChangeAspect="1"/>
+          </p:cNvPicPr>
+          <p:nvPr/>
+        </p:nvPicPr>
+        <p:blipFill rotWithShape="1">
+          <a:blip r:embed="rId4"/>
+          <a:srcRect t="3443" b="8157"/>
+          <a:stretch/>
+        </p:blipFill>
+        <p:spPr>
+          <a:xfrm>
+            <a:off x="2865138" y="93429"/>
+            <a:ext cx="2540000" cy="1269999"/>
+          </a:xfrm>
+          <a:prstGeom prst="rect">
+            <a:avLst/>
+          </a:prstGeom>
+          <a:effectLst/>
+        </p:spPr>
+      </p:pic>
+      <p:pic>
+        <p:nvPicPr>
+          <p:cNvPr id="19" name="Picture 18">
+            <a:extLst>
+              <a:ext uri="{FF2B5EF4-FFF2-40B4-BE49-F238E27FC236}">
+                <a16:creationId xmlns:a16="http://schemas.microsoft.com/office/drawing/2014/main" id="{557C7F62-BBEC-4743-AF84-68C177540E27}"/>
+              </a:ext>
+            </a:extLst>
+          </p:cNvPr>
+          <p:cNvPicPr>
+            <a:picLocks noChangeAspect="1"/>
+          </p:cNvPicPr>
+          <p:nvPr/>
+        </p:nvPicPr>
+        <p:blipFill rotWithShape="1">
+          <a:blip r:embed="rId5"/>
+          <a:srcRect t="6776" b="11480"/>
+          <a:stretch/>
+        </p:blipFill>
+        <p:spPr>
+          <a:xfrm>
+            <a:off x="129792" y="1516791"/>
+            <a:ext cx="2540612" cy="1269999"/>
+          </a:xfrm>
+          <a:prstGeom prst="rect">
+            <a:avLst/>
+          </a:prstGeom>
+          <a:effectLst/>
+        </p:spPr>
+      </p:pic>
+      <p:pic>
+        <p:nvPicPr>
+          <p:cNvPr id="1028" name="Picture 4" descr="Runway Blog">
+            <a:extLst>
+              <a:ext uri="{FF2B5EF4-FFF2-40B4-BE49-F238E27FC236}">
+                <a16:creationId xmlns:a16="http://schemas.microsoft.com/office/drawing/2014/main" id="{1250578D-9860-4AA2-82DE-1922597EA7CB}"/>
+              </a:ext>
+            </a:extLst>
+          </p:cNvPr>
+          <p:cNvPicPr>
+            <a:picLocks noChangeAspect="1" noChangeArrowheads="1"/>
+          </p:cNvPicPr>
+          <p:nvPr/>
+        </p:nvPicPr>
+        <p:blipFill rotWithShape="1">
+          <a:blip r:embed="rId6">
+            <a:extLst>
+              <a:ext uri="{28A0092B-C50C-407E-A947-70E740481C1C}">
+                <a14:useLocalDpi xmlns:a14="http://schemas.microsoft.com/office/drawing/2010/main" val="0"/>
+              </a:ext>
+            </a:extLst>
+          </a:blip>
+          <a:srcRect l="11313" t="14835" r="11527" b="14835"/>
+          <a:stretch/>
+        </p:blipFill>
+        <p:spPr bwMode="auto">
+          <a:xfrm>
+            <a:off x="5599638" y="93429"/>
+            <a:ext cx="2540000" cy="1270001"/>
+          </a:xfrm>
+          <a:prstGeom prst="rect">
+            <a:avLst/>
+          </a:prstGeom>
+          <a:noFill/>
+          <a:effectLst/>
+          <a:extLst>
+            <a:ext uri="{909E8E84-426E-40DD-AFC4-6F175D3DCCD1}">
+              <a14:hiddenFill xmlns:a14="http://schemas.microsoft.com/office/drawing/2010/main">
+                <a:solidFill>
+                  <a:srgbClr val="FFFFFF"/>
+                </a:solidFill>
+              </a14:hiddenFill>
+            </a:ext>
+          </a:extLst>
+        </p:spPr>
+      </p:pic>
+      <p:pic>
+        <p:nvPicPr>
+          <p:cNvPr id="1030" name="Picture 6" descr="GitHub - PaddlePaddle/PaddleHub: Awesome pre-trained models toolkit based  on PaddlePaddle.(300+ models including Image, Text, Audio and Video with  Easy Inference &amp;amp; Serving deployment)">
+            <a:extLst>
+              <a:ext uri="{FF2B5EF4-FFF2-40B4-BE49-F238E27FC236}">
+                <a16:creationId xmlns:a16="http://schemas.microsoft.com/office/drawing/2014/main" id="{5E257D77-0AFA-4935-BF41-805F4F05EDC7}"/>
+              </a:ext>
+            </a:extLst>
+          </p:cNvPr>
+          <p:cNvPicPr>
+            <a:picLocks noChangeAspect="1" noChangeArrowheads="1"/>
+          </p:cNvPicPr>
+          <p:nvPr/>
+        </p:nvPicPr>
+        <p:blipFill>
+          <a:blip r:embed="rId7">
+            <a:extLst>
+              <a:ext uri="{28A0092B-C50C-407E-A947-70E740481C1C}">
+                <a14:useLocalDpi xmlns:a14="http://schemas.microsoft.com/office/drawing/2010/main" val="0"/>
+              </a:ext>
+            </a:extLst>
+          </a:blip>
+          <a:srcRect/>
+          <a:stretch>
+            <a:fillRect/>
+          </a:stretch>
+        </p:blipFill>
+        <p:spPr bwMode="auto">
+          <a:xfrm>
+            <a:off x="5599638" y="1516790"/>
+            <a:ext cx="2540612" cy="1270000"/>
+          </a:xfrm>
+          <a:prstGeom prst="rect">
+            <a:avLst/>
+          </a:prstGeom>
+          <a:noFill/>
+          <a:effectLst/>
+          <a:extLst>
+            <a:ext uri="{909E8E84-426E-40DD-AFC4-6F175D3DCCD1}">
+              <a14:hiddenFill xmlns:a14="http://schemas.microsoft.com/office/drawing/2010/main">
+                <a:solidFill>
+                  <a:srgbClr val="FFFFFF"/>
+                </a:solidFill>
+              </a14:hiddenFill>
+            </a:ext>
+          </a:extLst>
+        </p:spPr>
+      </p:pic>
+      <p:pic>
+        <p:nvPicPr>
+          <p:cNvPr id="1032" name="Picture 8" descr="Weights &amp;amp; Biases – Developer tools for ML">
+            <a:extLst>
+              <a:ext uri="{FF2B5EF4-FFF2-40B4-BE49-F238E27FC236}">
+                <a16:creationId xmlns:a16="http://schemas.microsoft.com/office/drawing/2014/main" id="{DC1501BD-0608-49F2-8AD4-53547CBCC9E0}"/>
+              </a:ext>
+            </a:extLst>
+          </p:cNvPr>
+          <p:cNvPicPr>
+            <a:picLocks noChangeAspect="1" noChangeArrowheads="1"/>
+          </p:cNvPicPr>
+          <p:nvPr/>
+        </p:nvPicPr>
+        <p:blipFill>
+          <a:blip r:embed="rId8">
+            <a:extLst>
+              <a:ext uri="{28A0092B-C50C-407E-A947-70E740481C1C}">
+                <a14:useLocalDpi xmlns:a14="http://schemas.microsoft.com/office/drawing/2010/main" val="0"/>
+              </a:ext>
+            </a:extLst>
+          </a:blip>
+          <a:srcRect/>
+          <a:stretch>
+            <a:fillRect/>
+          </a:stretch>
+        </p:blipFill>
+        <p:spPr bwMode="auto">
+          <a:xfrm>
+            <a:off x="2865137" y="1518446"/>
+            <a:ext cx="2540000" cy="1268344"/>
+          </a:xfrm>
+          <a:prstGeom prst="rect">
+            <a:avLst/>
+          </a:prstGeom>
+          <a:noFill/>
+          <a:extLst>
+            <a:ext uri="{909E8E84-426E-40DD-AFC4-6F175D3DCCD1}">
+              <a14:hiddenFill xmlns:a14="http://schemas.microsoft.com/office/drawing/2010/main">
+                <a:solidFill>
+                  <a:srgbClr val="FFFFFF"/>
+                </a:solidFill>
+              </a14:hiddenFill>
+            </a:ext>
+          </a:extLst>
+        </p:spPr>
+      </p:pic>
+      <p:pic>
+        <p:nvPicPr>
+          <p:cNvPr id="21" name="Picture 20" descr="Text&#10;&#10;Description automatically generated">
+            <a:extLst>
+              <a:ext uri="{FF2B5EF4-FFF2-40B4-BE49-F238E27FC236}">
+                <a16:creationId xmlns:a16="http://schemas.microsoft.com/office/drawing/2014/main" id="{7C1FE9E7-6827-49AF-88F2-44D04EB2FC15}"/>
+              </a:ext>
+            </a:extLst>
+          </p:cNvPr>
+          <p:cNvPicPr>
+            <a:picLocks noChangeAspect="1"/>
+          </p:cNvPicPr>
+          <p:nvPr/>
+        </p:nvPicPr>
+        <p:blipFill>
+          <a:blip r:embed="rId9">
+            <a:extLst>
+              <a:ext uri="{28A0092B-C50C-407E-A947-70E740481C1C}">
+                <a14:useLocalDpi xmlns:a14="http://schemas.microsoft.com/office/drawing/2010/main" val="0"/>
+              </a:ext>
+            </a:extLst>
+          </a:blip>
+          <a:stretch>
+            <a:fillRect/>
+          </a:stretch>
+        </p:blipFill>
+        <p:spPr>
+          <a:xfrm>
+            <a:off x="2865137" y="3436211"/>
+            <a:ext cx="2539999" cy="1269999"/>
+          </a:xfrm>
+          <a:prstGeom prst="rect">
+            <a:avLst/>
+          </a:prstGeom>
+        </p:spPr>
+      </p:pic>
+      <p:pic>
+        <p:nvPicPr>
+          <p:cNvPr id="1040" name="Picture 16" descr="Kemtai in The Next Web] Adventures with AI: Can computer vision and GPT-3  get me fit? - OurCrowd Blog">
+            <a:extLst>
+              <a:ext uri="{FF2B5EF4-FFF2-40B4-BE49-F238E27FC236}">
+                <a16:creationId xmlns:a16="http://schemas.microsoft.com/office/drawing/2014/main" id="{AD4667DA-38D2-4807-BECC-71E236D0D49E}"/>
+              </a:ext>
+            </a:extLst>
+          </p:cNvPr>
+          <p:cNvPicPr>
+            <a:picLocks noChangeAspect="1" noChangeArrowheads="1"/>
+          </p:cNvPicPr>
+          <p:nvPr/>
+        </p:nvPicPr>
+        <p:blipFill>
+          <a:blip r:embed="rId10">
+            <a:extLst>
+              <a:ext uri="{28A0092B-C50C-407E-A947-70E740481C1C}">
+                <a14:useLocalDpi xmlns:a14="http://schemas.microsoft.com/office/drawing/2010/main" val="0"/>
+              </a:ext>
+            </a:extLst>
+          </a:blip>
+          <a:srcRect/>
+          <a:stretch>
+            <a:fillRect/>
+          </a:stretch>
+        </p:blipFill>
+        <p:spPr bwMode="auto">
+          <a:xfrm>
+            <a:off x="5688896" y="3436209"/>
+            <a:ext cx="2358575" cy="1270002"/>
+          </a:xfrm>
+          <a:prstGeom prst="rect">
+            <a:avLst/>
+          </a:prstGeom>
+          <a:noFill/>
+          <a:extLst>
+            <a:ext uri="{909E8E84-426E-40DD-AFC4-6F175D3DCCD1}">
+              <a14:hiddenFill xmlns:a14="http://schemas.microsoft.com/office/drawing/2010/main">
+                <a:solidFill>
+                  <a:srgbClr val="FFFFFF"/>
+                </a:solidFill>
+              </a14:hiddenFill>
+            </a:ext>
+          </a:extLst>
+        </p:spPr>
+      </p:pic>
+      <p:pic>
+        <p:nvPicPr>
+          <p:cNvPr id="25" name="Picture 24">
+            <a:extLst>
+              <a:ext uri="{FF2B5EF4-FFF2-40B4-BE49-F238E27FC236}">
+                <a16:creationId xmlns:a16="http://schemas.microsoft.com/office/drawing/2014/main" id="{572B9BC0-5490-4A81-80E5-AFA496C8E881}"/>
+              </a:ext>
+            </a:extLst>
+          </p:cNvPr>
+          <p:cNvPicPr>
+            <a:picLocks noChangeAspect="1"/>
+          </p:cNvPicPr>
+          <p:nvPr/>
+        </p:nvPicPr>
+        <p:blipFill>
+          <a:blip r:embed="rId11"/>
+          <a:stretch>
+            <a:fillRect/>
+          </a:stretch>
+        </p:blipFill>
+        <p:spPr>
+          <a:xfrm>
+            <a:off x="127113" y="4861228"/>
+            <a:ext cx="2540612" cy="1270003"/>
+          </a:xfrm>
+          <a:prstGeom prst="rect">
+            <a:avLst/>
+          </a:prstGeom>
+        </p:spPr>
+      </p:pic>
+      <p:pic>
+        <p:nvPicPr>
+          <p:cNvPr id="1044" name="Picture 20" descr="Tech Xplore - Apps on Google Play">
+            <a:extLst>
+              <a:ext uri="{FF2B5EF4-FFF2-40B4-BE49-F238E27FC236}">
+                <a16:creationId xmlns:a16="http://schemas.microsoft.com/office/drawing/2014/main" id="{3EFBBEAF-5800-487D-AB89-075326E8A478}"/>
+              </a:ext>
+            </a:extLst>
+          </p:cNvPr>
+          <p:cNvPicPr>
+            <a:picLocks noChangeAspect="1" noChangeArrowheads="1"/>
+          </p:cNvPicPr>
+          <p:nvPr/>
+        </p:nvPicPr>
+        <p:blipFill>
+          <a:blip r:embed="rId12">
+            <a:extLst>
+              <a:ext uri="{28A0092B-C50C-407E-A947-70E740481C1C}">
+                <a14:useLocalDpi xmlns:a14="http://schemas.microsoft.com/office/drawing/2010/main" val="0"/>
+              </a:ext>
+            </a:extLst>
+          </a:blip>
+          <a:srcRect/>
+          <a:stretch>
+            <a:fillRect/>
+          </a:stretch>
+        </p:blipFill>
+        <p:spPr bwMode="auto">
+          <a:xfrm>
+            <a:off x="2834897" y="4862887"/>
+            <a:ext cx="2597569" cy="1268344"/>
+          </a:xfrm>
+          <a:prstGeom prst="rect">
+            <a:avLst/>
+          </a:prstGeom>
+          <a:noFill/>
+          <a:extLst>
+            <a:ext uri="{909E8E84-426E-40DD-AFC4-6F175D3DCCD1}">
+              <a14:hiddenFill xmlns:a14="http://schemas.microsoft.com/office/drawing/2010/main">
+                <a:solidFill>
+                  <a:srgbClr val="FFFFFF"/>
+                </a:solidFill>
+              </a14:hiddenFill>
+            </a:ext>
+          </a:extLst>
+        </p:spPr>
+      </p:pic>
+      <p:pic>
+        <p:nvPicPr>
+          <p:cNvPr id="27" name="Picture 26">
+            <a:extLst>
+              <a:ext uri="{FF2B5EF4-FFF2-40B4-BE49-F238E27FC236}">
+                <a16:creationId xmlns:a16="http://schemas.microsoft.com/office/drawing/2014/main" id="{223BE78D-B311-4593-ADDB-178E61FF2714}"/>
+              </a:ext>
+            </a:extLst>
+          </p:cNvPr>
+          <p:cNvPicPr>
+            <a:picLocks noChangeAspect="1"/>
+          </p:cNvPicPr>
+          <p:nvPr/>
+        </p:nvPicPr>
+        <p:blipFill>
+          <a:blip r:embed="rId13"/>
+          <a:stretch>
+            <a:fillRect/>
+          </a:stretch>
+        </p:blipFill>
+        <p:spPr>
+          <a:xfrm>
+            <a:off x="5688896" y="4861229"/>
+            <a:ext cx="2597569" cy="1268344"/>
+          </a:xfrm>
+          <a:prstGeom prst="rect">
+            <a:avLst/>
+          </a:prstGeom>
+        </p:spPr>
+      </p:pic>
+      <p:pic>
+        <p:nvPicPr>
+          <p:cNvPr id="1026" name="Picture 2" descr="中央電視台| 央视春晚维基| Fandom">
+            <a:extLst>
+              <a:ext uri="{FF2B5EF4-FFF2-40B4-BE49-F238E27FC236}">
+                <a16:creationId xmlns:a16="http://schemas.microsoft.com/office/drawing/2014/main" id="{6C8D4B68-A507-436B-8EFD-2B6C02FE6E07}"/>
+              </a:ext>
+            </a:extLst>
+          </p:cNvPr>
+          <p:cNvPicPr>
+            <a:picLocks noChangeAspect="1" noChangeArrowheads="1"/>
+          </p:cNvPicPr>
+          <p:nvPr/>
+        </p:nvPicPr>
+        <p:blipFill rotWithShape="1">
+          <a:blip r:embed="rId14">
+            <a:extLst>
+              <a:ext uri="{28A0092B-C50C-407E-A947-70E740481C1C}">
+                <a14:useLocalDpi xmlns:a14="http://schemas.microsoft.com/office/drawing/2010/main" val="0"/>
+              </a:ext>
+            </a:extLst>
+          </a:blip>
+          <a:srcRect t="5668" b="6167"/>
+          <a:stretch/>
+        </p:blipFill>
+        <p:spPr bwMode="auto">
+          <a:xfrm>
+            <a:off x="218131" y="3429000"/>
+            <a:ext cx="2358575" cy="1277210"/>
+          </a:xfrm>
+          <a:prstGeom prst="rect">
+            <a:avLst/>
+          </a:prstGeom>
+          <a:noFill/>
+          <a:extLst>
+            <a:ext uri="{909E8E84-426E-40DD-AFC4-6F175D3DCCD1}">
+              <a14:hiddenFill xmlns:a14="http://schemas.microsoft.com/office/drawing/2010/main">
+                <a:solidFill>
+                  <a:srgbClr val="FFFFFF"/>
+                </a:solidFill>
+              </a14:hiddenFill>
+            </a:ext>
+          </a:extLst>
+        </p:spPr>
+      </p:pic>
+    </p:spTree>
+    <p:extLst>
+      <p:ext uri="{BB962C8B-B14F-4D97-AF65-F5344CB8AC3E}">
+        <p14:creationId xmlns:p14="http://schemas.microsoft.com/office/powerpoint/2010/main" val="4234672006"/>
+      </p:ext>
+    </p:extLst>
+  </p:cSld>
+  <p:clrMapOvr>
+    <a:masterClrMapping/>
+  </p:clrMapOvr>
+</p:sld>
+</file>
+
+<file path=ppt/slides/slide3.xml><?xml version="1.0" encoding="utf-8"?>
 <p:sld xmlns:a="http://schemas.openxmlformats.org/drawingml/2006/main" xmlns:r="http://schemas.openxmlformats.org/officeDocument/2006/relationships" xmlns:p="http://schemas.openxmlformats.org/presentationml/2006/main">
   <p:cSld>
     <p:spTree>
